--- a/SolFwk-LCTAG-LowCodeTestAutomationGeneration/Documentation/SolFwk-LowCodeTestAutomationGeneration.pptx
+++ b/SolFwk-LCTAG-LowCodeTestAutomationGeneration/Documentation/SolFwk-LowCodeTestAutomationGeneration.pptx
@@ -6,10 +6,26 @@
   </p:sldMasterIdLst>
   <p:sldIdLst>
     <p:sldId id="256" r:id="rId2"/>
-    <p:sldId id="257" r:id="rId3"/>
-    <p:sldId id="258" r:id="rId4"/>
-    <p:sldId id="260" r:id="rId5"/>
-    <p:sldId id="259" r:id="rId6"/>
+    <p:sldId id="261" r:id="rId3"/>
+    <p:sldId id="262" r:id="rId4"/>
+    <p:sldId id="257" r:id="rId5"/>
+    <p:sldId id="258" r:id="rId6"/>
+    <p:sldId id="260" r:id="rId7"/>
+    <p:sldId id="259" r:id="rId8"/>
+    <p:sldId id="263" r:id="rId9"/>
+    <p:sldId id="264" r:id="rId10"/>
+    <p:sldId id="265" r:id="rId11"/>
+    <p:sldId id="266" r:id="rId12"/>
+    <p:sldId id="267" r:id="rId13"/>
+    <p:sldId id="271" r:id="rId14"/>
+    <p:sldId id="272" r:id="rId15"/>
+    <p:sldId id="273" r:id="rId16"/>
+    <p:sldId id="274" r:id="rId17"/>
+    <p:sldId id="275" r:id="rId18"/>
+    <p:sldId id="276" r:id="rId19"/>
+    <p:sldId id="279" r:id="rId20"/>
+    <p:sldId id="280" r:id="rId21"/>
+    <p:sldId id="283" r:id="rId22"/>
   </p:sldIdLst>
   <p:sldSz cx="12192000" cy="6858000"/>
   <p:notesSz cx="6858000" cy="9144000"/>
@@ -263,7 +279,7 @@
           <a:p>
             <a:fld id="{E5F135CD-B8E2-49CE-8D90-2F04E771047A}" type="datetimeFigureOut">
               <a:rPr lang="en-US" smtClean="0"/>
-              <a:t>1/28/2019</a:t>
+              <a:t>1/30/2019</a:t>
             </a:fld>
             <a:endParaRPr lang="en-US"/>
           </a:p>
@@ -461,7 +477,7 @@
           <a:p>
             <a:fld id="{E5F135CD-B8E2-49CE-8D90-2F04E771047A}" type="datetimeFigureOut">
               <a:rPr lang="en-US" smtClean="0"/>
-              <a:t>1/28/2019</a:t>
+              <a:t>1/30/2019</a:t>
             </a:fld>
             <a:endParaRPr lang="en-US"/>
           </a:p>
@@ -669,7 +685,7 @@
           <a:p>
             <a:fld id="{E5F135CD-B8E2-49CE-8D90-2F04E771047A}" type="datetimeFigureOut">
               <a:rPr lang="en-US" smtClean="0"/>
-              <a:t>1/28/2019</a:t>
+              <a:t>1/30/2019</a:t>
             </a:fld>
             <a:endParaRPr lang="en-US"/>
           </a:p>
@@ -867,7 +883,7 @@
           <a:p>
             <a:fld id="{E5F135CD-B8E2-49CE-8D90-2F04E771047A}" type="datetimeFigureOut">
               <a:rPr lang="en-US" smtClean="0"/>
-              <a:t>1/28/2019</a:t>
+              <a:t>1/30/2019</a:t>
             </a:fld>
             <a:endParaRPr lang="en-US"/>
           </a:p>
@@ -1142,7 +1158,7 @@
           <a:p>
             <a:fld id="{E5F135CD-B8E2-49CE-8D90-2F04E771047A}" type="datetimeFigureOut">
               <a:rPr lang="en-US" smtClean="0"/>
-              <a:t>1/28/2019</a:t>
+              <a:t>1/30/2019</a:t>
             </a:fld>
             <a:endParaRPr lang="en-US"/>
           </a:p>
@@ -1407,7 +1423,7 @@
           <a:p>
             <a:fld id="{E5F135CD-B8E2-49CE-8D90-2F04E771047A}" type="datetimeFigureOut">
               <a:rPr lang="en-US" smtClean="0"/>
-              <a:t>1/28/2019</a:t>
+              <a:t>1/30/2019</a:t>
             </a:fld>
             <a:endParaRPr lang="en-US"/>
           </a:p>
@@ -1819,7 +1835,7 @@
           <a:p>
             <a:fld id="{E5F135CD-B8E2-49CE-8D90-2F04E771047A}" type="datetimeFigureOut">
               <a:rPr lang="en-US" smtClean="0"/>
-              <a:t>1/28/2019</a:t>
+              <a:t>1/30/2019</a:t>
             </a:fld>
             <a:endParaRPr lang="en-US"/>
           </a:p>
@@ -1960,7 +1976,7 @@
           <a:p>
             <a:fld id="{E5F135CD-B8E2-49CE-8D90-2F04E771047A}" type="datetimeFigureOut">
               <a:rPr lang="en-US" smtClean="0"/>
-              <a:t>1/28/2019</a:t>
+              <a:t>1/30/2019</a:t>
             </a:fld>
             <a:endParaRPr lang="en-US"/>
           </a:p>
@@ -2073,7 +2089,7 @@
           <a:p>
             <a:fld id="{E5F135CD-B8E2-49CE-8D90-2F04E771047A}" type="datetimeFigureOut">
               <a:rPr lang="en-US" smtClean="0"/>
-              <a:t>1/28/2019</a:t>
+              <a:t>1/30/2019</a:t>
             </a:fld>
             <a:endParaRPr lang="en-US"/>
           </a:p>
@@ -2384,7 +2400,7 @@
           <a:p>
             <a:fld id="{E5F135CD-B8E2-49CE-8D90-2F04E771047A}" type="datetimeFigureOut">
               <a:rPr lang="en-US" smtClean="0"/>
-              <a:t>1/28/2019</a:t>
+              <a:t>1/30/2019</a:t>
             </a:fld>
             <a:endParaRPr lang="en-US"/>
           </a:p>
@@ -2672,7 +2688,7 @@
           <a:p>
             <a:fld id="{E5F135CD-B8E2-49CE-8D90-2F04E771047A}" type="datetimeFigureOut">
               <a:rPr lang="en-US" smtClean="0"/>
-              <a:t>1/28/2019</a:t>
+              <a:t>1/30/2019</a:t>
             </a:fld>
             <a:endParaRPr lang="en-US"/>
           </a:p>
@@ -2913,7 +2929,7 @@
           <a:p>
             <a:fld id="{E5F135CD-B8E2-49CE-8D90-2F04E771047A}" type="datetimeFigureOut">
               <a:rPr lang="en-US" smtClean="0"/>
-              <a:t>1/28/2019</a:t>
+              <a:t>1/30/2019</a:t>
             </a:fld>
             <a:endParaRPr lang="en-US"/>
           </a:p>
@@ -3415,6 +3431,1091 @@
 </p:sld>
 </file>
 
+<file path=ppt/slides/slide10.xml><?xml version="1.0" encoding="utf-8"?>
+<p:sld xmlns:a="http://schemas.openxmlformats.org/drawingml/2006/main" xmlns:r="http://schemas.openxmlformats.org/officeDocument/2006/relationships" xmlns:p="http://schemas.openxmlformats.org/presentationml/2006/main">
+  <p:cSld>
+    <p:spTree>
+      <p:nvGrpSpPr>
+        <p:cNvPr id="1" name=""/>
+        <p:cNvGrpSpPr/>
+        <p:nvPr/>
+      </p:nvGrpSpPr>
+      <p:grpSpPr>
+        <a:xfrm>
+          <a:off x="0" y="0"/>
+          <a:ext cx="0" cy="0"/>
+          <a:chOff x="0" y="0"/>
+          <a:chExt cx="0" cy="0"/>
+        </a:xfrm>
+      </p:grpSpPr>
+      <p:sp>
+        <p:nvSpPr>
+          <p:cNvPr id="2" name="Title 1">
+            <a:extLst>
+              <a:ext uri="{FF2B5EF4-FFF2-40B4-BE49-F238E27FC236}">
+                <a16:creationId xmlns:a16="http://schemas.microsoft.com/office/drawing/2014/main" id="{D92FE18C-03B9-416C-80D3-48CE557EA482}"/>
+              </a:ext>
+            </a:extLst>
+          </p:cNvPr>
+          <p:cNvSpPr>
+            <a:spLocks noGrp="1"/>
+          </p:cNvSpPr>
+          <p:nvPr>
+            <p:ph type="title"/>
+          </p:nvPr>
+        </p:nvSpPr>
+        <p:spPr/>
+        <p:txBody>
+          <a:bodyPr/>
+          <a:lstStyle/>
+          <a:p>
+            <a:r>
+              <a:rPr lang="en-US"/>
+              <a:t>API</a:t>
+            </a:r>
+          </a:p>
+        </p:txBody>
+      </p:sp>
+      <p:pic>
+        <p:nvPicPr>
+          <p:cNvPr id="6" name="Picture Placeholder 5" descr="API">
+            <a:extLst>
+              <a:ext uri="{FF2B5EF4-FFF2-40B4-BE49-F238E27FC236}">
+                <a16:creationId xmlns:a16="http://schemas.microsoft.com/office/drawing/2014/main" id="{54496351-AB16-4534-AE4D-B95ADCB0A31F}"/>
+              </a:ext>
+            </a:extLst>
+          </p:cNvPr>
+          <p:cNvPicPr>
+            <a:picLocks noGrp="1" noChangeAspect="1"/>
+          </p:cNvPicPr>
+          <p:nvPr>
+            <p:ph type="pic" idx="4294967295"/>
+          </p:nvPr>
+        </p:nvPicPr>
+        <p:blipFill>
+          <a:blip r:embed="rId2">
+            <a:extLst>
+              <a:ext uri="{28A0092B-C50C-407E-A947-70E740481C1C}">
+                <a14:useLocalDpi xmlns:a14="http://schemas.microsoft.com/office/drawing/2010/main" val="0"/>
+              </a:ext>
+            </a:extLst>
+          </a:blip>
+          <a:srcRect/>
+          <a:stretch>
+            <a:fillRect/>
+          </a:stretch>
+        </p:blipFill>
+        <p:spPr>
+          <a:xfrm>
+            <a:off x="838200" y="2862262"/>
+            <a:ext cx="2276475" cy="1133475"/>
+          </a:xfrm>
+        </p:spPr>
+      </p:pic>
+    </p:spTree>
+    <p:extLst>
+      <p:ext uri="{BB962C8B-B14F-4D97-AF65-F5344CB8AC3E}">
+        <p14:creationId xmlns:p14="http://schemas.microsoft.com/office/powerpoint/2010/main" val="57836067"/>
+      </p:ext>
+    </p:extLst>
+  </p:cSld>
+  <p:clrMapOvr>
+    <a:masterClrMapping/>
+  </p:clrMapOvr>
+</p:sld>
+</file>
+
+<file path=ppt/slides/slide11.xml><?xml version="1.0" encoding="utf-8"?>
+<p:sld xmlns:a="http://schemas.openxmlformats.org/drawingml/2006/main" xmlns:r="http://schemas.openxmlformats.org/officeDocument/2006/relationships" xmlns:p="http://schemas.openxmlformats.org/presentationml/2006/main">
+  <p:cSld>
+    <p:spTree>
+      <p:nvGrpSpPr>
+        <p:cNvPr id="1" name=""/>
+        <p:cNvGrpSpPr/>
+        <p:nvPr/>
+      </p:nvGrpSpPr>
+      <p:grpSpPr>
+        <a:xfrm>
+          <a:off x="0" y="0"/>
+          <a:ext cx="0" cy="0"/>
+          <a:chOff x="0" y="0"/>
+          <a:chExt cx="0" cy="0"/>
+        </a:xfrm>
+      </p:grpSpPr>
+      <p:sp>
+        <p:nvSpPr>
+          <p:cNvPr id="2" name="Title 1">
+            <a:extLst>
+              <a:ext uri="{FF2B5EF4-FFF2-40B4-BE49-F238E27FC236}">
+                <a16:creationId xmlns:a16="http://schemas.microsoft.com/office/drawing/2014/main" id="{B66D2133-8B16-4220-9271-63170DCB95BE}"/>
+              </a:ext>
+            </a:extLst>
+          </p:cNvPr>
+          <p:cNvSpPr>
+            <a:spLocks noGrp="1"/>
+          </p:cNvSpPr>
+          <p:nvPr>
+            <p:ph type="title"/>
+          </p:nvPr>
+        </p:nvSpPr>
+        <p:spPr/>
+        <p:txBody>
+          <a:bodyPr/>
+          <a:lstStyle/>
+          <a:p>
+            <a:r>
+              <a:rPr lang="en-US"/>
+              <a:t>C:\Windows\system32\cmd.exe</a:t>
+            </a:r>
+          </a:p>
+        </p:txBody>
+      </p:sp>
+      <p:pic>
+        <p:nvPicPr>
+          <p:cNvPr id="6" name="Picture Placeholder 5" descr="C:\Windows\system32\cmd.exe">
+            <a:extLst>
+              <a:ext uri="{FF2B5EF4-FFF2-40B4-BE49-F238E27FC236}">
+                <a16:creationId xmlns:a16="http://schemas.microsoft.com/office/drawing/2014/main" id="{B69CB1BF-853F-4756-A92E-4552ED8D26A8}"/>
+              </a:ext>
+            </a:extLst>
+          </p:cNvPr>
+          <p:cNvPicPr>
+            <a:picLocks noGrp="1" noChangeAspect="1"/>
+          </p:cNvPicPr>
+          <p:nvPr>
+            <p:ph type="pic" idx="4294967295"/>
+          </p:nvPr>
+        </p:nvPicPr>
+        <p:blipFill>
+          <a:blip r:embed="rId2">
+            <a:extLst>
+              <a:ext uri="{28A0092B-C50C-407E-A947-70E740481C1C}">
+                <a14:useLocalDpi xmlns:a14="http://schemas.microsoft.com/office/drawing/2010/main" val="0"/>
+              </a:ext>
+            </a:extLst>
+          </a:blip>
+          <a:srcRect/>
+          <a:stretch>
+            <a:fillRect/>
+          </a:stretch>
+        </p:blipFill>
+        <p:spPr>
+          <a:xfrm>
+            <a:off x="838200" y="2828131"/>
+            <a:ext cx="6172200" cy="1201737"/>
+          </a:xfrm>
+        </p:spPr>
+      </p:pic>
+    </p:spTree>
+    <p:extLst>
+      <p:ext uri="{BB962C8B-B14F-4D97-AF65-F5344CB8AC3E}">
+        <p14:creationId xmlns:p14="http://schemas.microsoft.com/office/powerpoint/2010/main" val="2143527118"/>
+      </p:ext>
+    </p:extLst>
+  </p:cSld>
+  <p:clrMapOvr>
+    <a:masterClrMapping/>
+  </p:clrMapOvr>
+</p:sld>
+</file>
+
+<file path=ppt/slides/slide12.xml><?xml version="1.0" encoding="utf-8"?>
+<p:sld xmlns:a="http://schemas.openxmlformats.org/drawingml/2006/main" xmlns:r="http://schemas.openxmlformats.org/officeDocument/2006/relationships" xmlns:p="http://schemas.openxmlformats.org/presentationml/2006/main">
+  <p:cSld>
+    <p:spTree>
+      <p:nvGrpSpPr>
+        <p:cNvPr id="1" name=""/>
+        <p:cNvGrpSpPr/>
+        <p:nvPr/>
+      </p:nvGrpSpPr>
+      <p:grpSpPr>
+        <a:xfrm>
+          <a:off x="0" y="0"/>
+          <a:ext cx="0" cy="0"/>
+          <a:chOff x="0" y="0"/>
+          <a:chExt cx="0" cy="0"/>
+        </a:xfrm>
+      </p:grpSpPr>
+      <p:sp>
+        <p:nvSpPr>
+          <p:cNvPr id="2" name="Title 1">
+            <a:extLst>
+              <a:ext uri="{FF2B5EF4-FFF2-40B4-BE49-F238E27FC236}">
+                <a16:creationId xmlns:a16="http://schemas.microsoft.com/office/drawing/2014/main" id="{B1D8DFF5-4A25-4ED9-9C35-8E622E7E7271}"/>
+              </a:ext>
+            </a:extLst>
+          </p:cNvPr>
+          <p:cNvSpPr>
+            <a:spLocks noGrp="1"/>
+          </p:cNvSpPr>
+          <p:nvPr>
+            <p:ph type="title"/>
+          </p:nvPr>
+        </p:nvSpPr>
+        <p:spPr/>
+        <p:txBody>
+          <a:bodyPr>
+            <a:normAutofit/>
+          </a:bodyPr>
+          <a:lstStyle/>
+          <a:p>
+            <a:r>
+              <a:rPr lang="en-US"/>
+              <a:t>PowerPoint Slide Show  -  SolFwk-LowCodeTestAutomationGeneration.pptx</a:t>
+            </a:r>
+          </a:p>
+        </p:txBody>
+      </p:sp>
+      <p:pic>
+        <p:nvPicPr>
+          <p:cNvPr id="6" name="Picture Placeholder 5" descr="PowerPoint Slide Show  -  SolFwk-LowCodeTestAutomationGeneration.pptx">
+            <a:extLst>
+              <a:ext uri="{FF2B5EF4-FFF2-40B4-BE49-F238E27FC236}">
+                <a16:creationId xmlns:a16="http://schemas.microsoft.com/office/drawing/2014/main" id="{8B6B6943-6F01-4980-8D33-3BB82627E314}"/>
+              </a:ext>
+            </a:extLst>
+          </p:cNvPr>
+          <p:cNvPicPr>
+            <a:picLocks noGrp="1" noChangeAspect="1"/>
+          </p:cNvPicPr>
+          <p:nvPr>
+            <p:ph type="pic" idx="4294967295"/>
+          </p:nvPr>
+        </p:nvPicPr>
+        <p:blipFill>
+          <a:blip r:embed="rId2">
+            <a:extLst>
+              <a:ext uri="{28A0092B-C50C-407E-A947-70E740481C1C}">
+                <a14:useLocalDpi xmlns:a14="http://schemas.microsoft.com/office/drawing/2010/main" val="0"/>
+              </a:ext>
+            </a:extLst>
+          </a:blip>
+          <a:srcRect/>
+          <a:stretch>
+            <a:fillRect/>
+          </a:stretch>
+        </p:blipFill>
+        <p:spPr>
+          <a:xfrm>
+            <a:off x="0" y="1984375"/>
+            <a:ext cx="11687175" cy="4873625"/>
+          </a:xfrm>
+        </p:spPr>
+      </p:pic>
+    </p:spTree>
+    <p:extLst>
+      <p:ext uri="{BB962C8B-B14F-4D97-AF65-F5344CB8AC3E}">
+        <p14:creationId xmlns:p14="http://schemas.microsoft.com/office/powerpoint/2010/main" val="1936050696"/>
+      </p:ext>
+    </p:extLst>
+  </p:cSld>
+  <p:clrMapOvr>
+    <a:masterClrMapping/>
+  </p:clrMapOvr>
+</p:sld>
+</file>
+
+<file path=ppt/slides/slide13.xml><?xml version="1.0" encoding="utf-8"?>
+<p:sld xmlns:a="http://schemas.openxmlformats.org/drawingml/2006/main" xmlns:r="http://schemas.openxmlformats.org/officeDocument/2006/relationships" xmlns:p="http://schemas.openxmlformats.org/presentationml/2006/main">
+  <p:cSld>
+    <p:spTree>
+      <p:nvGrpSpPr>
+        <p:cNvPr id="1" name=""/>
+        <p:cNvGrpSpPr/>
+        <p:nvPr/>
+      </p:nvGrpSpPr>
+      <p:grpSpPr>
+        <a:xfrm>
+          <a:off x="0" y="0"/>
+          <a:ext cx="0" cy="0"/>
+          <a:chOff x="0" y="0"/>
+          <a:chExt cx="0" cy="0"/>
+        </a:xfrm>
+      </p:grpSpPr>
+      <p:sp>
+        <p:nvSpPr>
+          <p:cNvPr id="2" name="Title 1">
+            <a:extLst>
+              <a:ext uri="{FF2B5EF4-FFF2-40B4-BE49-F238E27FC236}">
+                <a16:creationId xmlns:a16="http://schemas.microsoft.com/office/drawing/2014/main" id="{BDD0DF3E-AA86-4E7D-8619-83EF7D64770C}"/>
+              </a:ext>
+            </a:extLst>
+          </p:cNvPr>
+          <p:cNvSpPr>
+            <a:spLocks noGrp="1"/>
+          </p:cNvSpPr>
+          <p:nvPr>
+            <p:ph type="title"/>
+          </p:nvPr>
+        </p:nvSpPr>
+        <p:spPr/>
+        <p:txBody>
+          <a:bodyPr/>
+          <a:lstStyle/>
+          <a:p>
+            <a:r>
+              <a:rPr lang="en-US" dirty="0" err="1"/>
+              <a:t>Eigenschappen</a:t>
+            </a:r>
+            <a:r>
+              <a:rPr lang="en-US" dirty="0"/>
+              <a:t> van </a:t>
+            </a:r>
+            <a:r>
+              <a:rPr lang="en-US" dirty="0" err="1"/>
+              <a:t>TestAutomationCreationPipeLine</a:t>
+            </a:r>
+            <a:endParaRPr lang="en-US" dirty="0"/>
+          </a:p>
+        </p:txBody>
+      </p:sp>
+      <p:pic>
+        <p:nvPicPr>
+          <p:cNvPr id="6" name="Picture Placeholder 5" descr="Eigenschappen van TestAutomationCreationPipeLine">
+            <a:extLst>
+              <a:ext uri="{FF2B5EF4-FFF2-40B4-BE49-F238E27FC236}">
+                <a16:creationId xmlns:a16="http://schemas.microsoft.com/office/drawing/2014/main" id="{E0918906-6CC2-46ED-B7FB-F7C33F9AA242}"/>
+              </a:ext>
+            </a:extLst>
+          </p:cNvPr>
+          <p:cNvPicPr>
+            <a:picLocks noGrp="1" noChangeAspect="1"/>
+          </p:cNvPicPr>
+          <p:nvPr>
+            <p:ph type="pic" idx="4294967295"/>
+          </p:nvPr>
+        </p:nvPicPr>
+        <p:blipFill>
+          <a:blip r:embed="rId2">
+            <a:extLst>
+              <a:ext uri="{28A0092B-C50C-407E-A947-70E740481C1C}">
+                <a14:useLocalDpi xmlns:a14="http://schemas.microsoft.com/office/drawing/2010/main" val="0"/>
+              </a:ext>
+            </a:extLst>
+          </a:blip>
+          <a:srcRect/>
+          <a:stretch>
+            <a:fillRect/>
+          </a:stretch>
+        </p:blipFill>
+        <p:spPr>
+          <a:xfrm>
+            <a:off x="838200" y="1771333"/>
+            <a:ext cx="3532187" cy="4873625"/>
+          </a:xfrm>
+        </p:spPr>
+      </p:pic>
+      <p:sp>
+        <p:nvSpPr>
+          <p:cNvPr id="7" name="Rectangle 6">
+            <a:extLst>
+              <a:ext uri="{FF2B5EF4-FFF2-40B4-BE49-F238E27FC236}">
+                <a16:creationId xmlns:a16="http://schemas.microsoft.com/office/drawing/2014/main" id="{1E1AE1F4-4DF3-4B29-BF6B-5BEAC07A5A55}"/>
+              </a:ext>
+            </a:extLst>
+          </p:cNvPr>
+          <p:cNvSpPr/>
+          <p:nvPr/>
+        </p:nvSpPr>
+        <p:spPr>
+          <a:xfrm>
+            <a:off x="984499" y="3855720"/>
+            <a:ext cx="3239588" cy="324394"/>
+          </a:xfrm>
+          <a:prstGeom prst="rect">
+            <a:avLst/>
+          </a:prstGeom>
+          <a:noFill/>
+          <a:ln w="28575">
+            <a:solidFill>
+              <a:srgbClr val="FF0000"/>
+            </a:solidFill>
+          </a:ln>
+        </p:spPr>
+        <p:style>
+          <a:lnRef idx="2">
+            <a:schemeClr val="accent1">
+              <a:shade val="50000"/>
+            </a:schemeClr>
+          </a:lnRef>
+          <a:fillRef idx="1">
+            <a:schemeClr val="accent1"/>
+          </a:fillRef>
+          <a:effectRef idx="0">
+            <a:schemeClr val="accent1"/>
+          </a:effectRef>
+          <a:fontRef idx="minor">
+            <a:schemeClr val="lt1"/>
+          </a:fontRef>
+        </p:style>
+        <p:txBody>
+          <a:bodyPr rtlCol="0" anchor="ctr"/>
+          <a:lstStyle/>
+          <a:p>
+            <a:pPr algn="ctr"/>
+            <a:endParaRPr lang="en-US"/>
+          </a:p>
+        </p:txBody>
+      </p:sp>
+    </p:spTree>
+    <p:extLst>
+      <p:ext uri="{BB962C8B-B14F-4D97-AF65-F5344CB8AC3E}">
+        <p14:creationId xmlns:p14="http://schemas.microsoft.com/office/powerpoint/2010/main" val="3444619958"/>
+      </p:ext>
+    </p:extLst>
+  </p:cSld>
+  <p:clrMapOvr>
+    <a:masterClrMapping/>
+  </p:clrMapOvr>
+</p:sld>
+</file>
+
+<file path=ppt/slides/slide14.xml><?xml version="1.0" encoding="utf-8"?>
+<p:sld xmlns:a="http://schemas.openxmlformats.org/drawingml/2006/main" xmlns:r="http://schemas.openxmlformats.org/officeDocument/2006/relationships" xmlns:p="http://schemas.openxmlformats.org/presentationml/2006/main">
+  <p:cSld>
+    <p:spTree>
+      <p:nvGrpSpPr>
+        <p:cNvPr id="1" name=""/>
+        <p:cNvGrpSpPr/>
+        <p:nvPr/>
+      </p:nvGrpSpPr>
+      <p:grpSpPr>
+        <a:xfrm>
+          <a:off x="0" y="0"/>
+          <a:ext cx="0" cy="0"/>
+          <a:chOff x="0" y="0"/>
+          <a:chExt cx="0" cy="0"/>
+        </a:xfrm>
+      </p:grpSpPr>
+      <p:sp>
+        <p:nvSpPr>
+          <p:cNvPr id="2" name="Title 1">
+            <a:extLst>
+              <a:ext uri="{FF2B5EF4-FFF2-40B4-BE49-F238E27FC236}">
+                <a16:creationId xmlns:a16="http://schemas.microsoft.com/office/drawing/2014/main" id="{D9E3023F-B86F-4564-A4A6-E81AFE9CA39F}"/>
+              </a:ext>
+            </a:extLst>
+          </p:cNvPr>
+          <p:cNvSpPr>
+            <a:spLocks noGrp="1"/>
+          </p:cNvSpPr>
+          <p:nvPr>
+            <p:ph type="title"/>
+          </p:nvPr>
+        </p:nvSpPr>
+        <p:spPr/>
+        <p:txBody>
+          <a:bodyPr>
+            <a:normAutofit/>
+          </a:bodyPr>
+          <a:lstStyle/>
+          <a:p>
+            <a:r>
+              <a:rPr lang="en-US"/>
+              <a:t>PowerPoint Slide Show  -  SolFwk-LowCodeTestAutomationGeneration.pptx</a:t>
+            </a:r>
+          </a:p>
+        </p:txBody>
+      </p:sp>
+      <p:pic>
+        <p:nvPicPr>
+          <p:cNvPr id="6" name="Picture Placeholder 5" descr="PowerPoint Slide Show  -  SolFwk-LowCodeTestAutomationGeneration.pptx">
+            <a:extLst>
+              <a:ext uri="{FF2B5EF4-FFF2-40B4-BE49-F238E27FC236}">
+                <a16:creationId xmlns:a16="http://schemas.microsoft.com/office/drawing/2014/main" id="{320CE0C4-D08A-4C58-B8BB-09D25166A06F}"/>
+              </a:ext>
+            </a:extLst>
+          </p:cNvPr>
+          <p:cNvPicPr>
+            <a:picLocks noGrp="1" noChangeAspect="1"/>
+          </p:cNvPicPr>
+          <p:nvPr>
+            <p:ph type="pic" idx="4294967295"/>
+          </p:nvPr>
+        </p:nvPicPr>
+        <p:blipFill>
+          <a:blip r:embed="rId2">
+            <a:extLst>
+              <a:ext uri="{28A0092B-C50C-407E-A947-70E740481C1C}">
+                <a14:useLocalDpi xmlns:a14="http://schemas.microsoft.com/office/drawing/2010/main" val="0"/>
+              </a:ext>
+            </a:extLst>
+          </a:blip>
+          <a:srcRect/>
+          <a:stretch>
+            <a:fillRect/>
+          </a:stretch>
+        </p:blipFill>
+        <p:spPr>
+          <a:xfrm>
+            <a:off x="838200" y="1726747"/>
+            <a:ext cx="3532187" cy="4873625"/>
+          </a:xfrm>
+        </p:spPr>
+      </p:pic>
+    </p:spTree>
+    <p:extLst>
+      <p:ext uri="{BB962C8B-B14F-4D97-AF65-F5344CB8AC3E}">
+        <p14:creationId xmlns:p14="http://schemas.microsoft.com/office/powerpoint/2010/main" val="3486381854"/>
+      </p:ext>
+    </p:extLst>
+  </p:cSld>
+  <p:clrMapOvr>
+    <a:masterClrMapping/>
+  </p:clrMapOvr>
+</p:sld>
+</file>
+
+<file path=ppt/slides/slide15.xml><?xml version="1.0" encoding="utf-8"?>
+<p:sld xmlns:a="http://schemas.openxmlformats.org/drawingml/2006/main" xmlns:r="http://schemas.openxmlformats.org/officeDocument/2006/relationships" xmlns:p="http://schemas.openxmlformats.org/presentationml/2006/main">
+  <p:cSld>
+    <p:spTree>
+      <p:nvGrpSpPr>
+        <p:cNvPr id="1" name=""/>
+        <p:cNvGrpSpPr/>
+        <p:nvPr/>
+      </p:nvGrpSpPr>
+      <p:grpSpPr>
+        <a:xfrm>
+          <a:off x="0" y="0"/>
+          <a:ext cx="0" cy="0"/>
+          <a:chOff x="0" y="0"/>
+          <a:chExt cx="0" cy="0"/>
+        </a:xfrm>
+      </p:grpSpPr>
+      <p:sp>
+        <p:nvSpPr>
+          <p:cNvPr id="2" name="Title 1">
+            <a:extLst>
+              <a:ext uri="{FF2B5EF4-FFF2-40B4-BE49-F238E27FC236}">
+                <a16:creationId xmlns:a16="http://schemas.microsoft.com/office/drawing/2014/main" id="{CB35D1C2-5246-4DBC-B230-39B9FA5A9A04}"/>
+              </a:ext>
+            </a:extLst>
+          </p:cNvPr>
+          <p:cNvSpPr>
+            <a:spLocks noGrp="1"/>
+          </p:cNvSpPr>
+          <p:nvPr>
+            <p:ph type="title"/>
+          </p:nvPr>
+        </p:nvSpPr>
+        <p:spPr/>
+        <p:txBody>
+          <a:bodyPr/>
+          <a:lstStyle/>
+          <a:p>
+            <a:r>
+              <a:rPr lang="en-US"/>
+              <a:t>C:\Windows\system32\cmd.exe</a:t>
+            </a:r>
+          </a:p>
+        </p:txBody>
+      </p:sp>
+      <p:pic>
+        <p:nvPicPr>
+          <p:cNvPr id="6" name="Picture Placeholder 5" descr="C:\Windows\system32\cmd.exe">
+            <a:extLst>
+              <a:ext uri="{FF2B5EF4-FFF2-40B4-BE49-F238E27FC236}">
+                <a16:creationId xmlns:a16="http://schemas.microsoft.com/office/drawing/2014/main" id="{1B87FB6B-CD6C-4543-B6A6-3F74FE1947F2}"/>
+              </a:ext>
+            </a:extLst>
+          </p:cNvPr>
+          <p:cNvPicPr>
+            <a:picLocks noGrp="1" noChangeAspect="1"/>
+          </p:cNvPicPr>
+          <p:nvPr>
+            <p:ph type="pic" idx="4294967295"/>
+          </p:nvPr>
+        </p:nvPicPr>
+        <p:blipFill>
+          <a:blip r:embed="rId2">
+            <a:extLst>
+              <a:ext uri="{28A0092B-C50C-407E-A947-70E740481C1C}">
+                <a14:useLocalDpi xmlns:a14="http://schemas.microsoft.com/office/drawing/2010/main" val="0"/>
+              </a:ext>
+            </a:extLst>
+          </a:blip>
+          <a:srcRect/>
+          <a:stretch>
+            <a:fillRect/>
+          </a:stretch>
+        </p:blipFill>
+        <p:spPr>
+          <a:xfrm>
+            <a:off x="838200" y="2786062"/>
+            <a:ext cx="3352800" cy="1285875"/>
+          </a:xfrm>
+        </p:spPr>
+      </p:pic>
+    </p:spTree>
+    <p:extLst>
+      <p:ext uri="{BB962C8B-B14F-4D97-AF65-F5344CB8AC3E}">
+        <p14:creationId xmlns:p14="http://schemas.microsoft.com/office/powerpoint/2010/main" val="1578267593"/>
+      </p:ext>
+    </p:extLst>
+  </p:cSld>
+  <p:clrMapOvr>
+    <a:masterClrMapping/>
+  </p:clrMapOvr>
+</p:sld>
+</file>
+
+<file path=ppt/slides/slide16.xml><?xml version="1.0" encoding="utf-8"?>
+<p:sld xmlns:a="http://schemas.openxmlformats.org/drawingml/2006/main" xmlns:r="http://schemas.openxmlformats.org/officeDocument/2006/relationships" xmlns:p="http://schemas.openxmlformats.org/presentationml/2006/main">
+  <p:cSld>
+    <p:spTree>
+      <p:nvGrpSpPr>
+        <p:cNvPr id="1" name=""/>
+        <p:cNvGrpSpPr/>
+        <p:nvPr/>
+      </p:nvGrpSpPr>
+      <p:grpSpPr>
+        <a:xfrm>
+          <a:off x="0" y="0"/>
+          <a:ext cx="0" cy="0"/>
+          <a:chOff x="0" y="0"/>
+          <a:chExt cx="0" cy="0"/>
+        </a:xfrm>
+      </p:grpSpPr>
+      <p:sp>
+        <p:nvSpPr>
+          <p:cNvPr id="2" name="Title 1">
+            <a:extLst>
+              <a:ext uri="{FF2B5EF4-FFF2-40B4-BE49-F238E27FC236}">
+                <a16:creationId xmlns:a16="http://schemas.microsoft.com/office/drawing/2014/main" id="{73753D7E-7B1A-46F9-B5DE-6BB33FA8F607}"/>
+              </a:ext>
+            </a:extLst>
+          </p:cNvPr>
+          <p:cNvSpPr>
+            <a:spLocks noGrp="1"/>
+          </p:cNvSpPr>
+          <p:nvPr>
+            <p:ph type="title"/>
+          </p:nvPr>
+        </p:nvSpPr>
+        <p:spPr/>
+        <p:txBody>
+          <a:bodyPr/>
+          <a:lstStyle/>
+          <a:p>
+            <a:r>
+              <a:rPr lang="en-US"/>
+              <a:t>LisaBank-GetAccount_1.0.0</a:t>
+            </a:r>
+          </a:p>
+        </p:txBody>
+      </p:sp>
+      <p:pic>
+        <p:nvPicPr>
+          <p:cNvPr id="6" name="Picture Placeholder 5" descr="LisaBank-GetAccount_1.0.0">
+            <a:extLst>
+              <a:ext uri="{FF2B5EF4-FFF2-40B4-BE49-F238E27FC236}">
+                <a16:creationId xmlns:a16="http://schemas.microsoft.com/office/drawing/2014/main" id="{A3ACB61D-5988-40DC-8B70-F85232BB4720}"/>
+              </a:ext>
+            </a:extLst>
+          </p:cNvPr>
+          <p:cNvPicPr>
+            <a:picLocks noGrp="1" noChangeAspect="1"/>
+          </p:cNvPicPr>
+          <p:nvPr>
+            <p:ph type="pic" idx="4294967295"/>
+          </p:nvPr>
+        </p:nvPicPr>
+        <p:blipFill>
+          <a:blip r:embed="rId2">
+            <a:extLst>
+              <a:ext uri="{28A0092B-C50C-407E-A947-70E740481C1C}">
+                <a14:useLocalDpi xmlns:a14="http://schemas.microsoft.com/office/drawing/2010/main" val="0"/>
+              </a:ext>
+            </a:extLst>
+          </a:blip>
+          <a:srcRect/>
+          <a:stretch>
+            <a:fillRect/>
+          </a:stretch>
+        </p:blipFill>
+        <p:spPr>
+          <a:xfrm>
+            <a:off x="838200" y="2782706"/>
+            <a:ext cx="2657475" cy="1524000"/>
+          </a:xfrm>
+        </p:spPr>
+      </p:pic>
+    </p:spTree>
+    <p:extLst>
+      <p:ext uri="{BB962C8B-B14F-4D97-AF65-F5344CB8AC3E}">
+        <p14:creationId xmlns:p14="http://schemas.microsoft.com/office/powerpoint/2010/main" val="3917903010"/>
+      </p:ext>
+    </p:extLst>
+  </p:cSld>
+  <p:clrMapOvr>
+    <a:masterClrMapping/>
+  </p:clrMapOvr>
+</p:sld>
+</file>
+
+<file path=ppt/slides/slide17.xml><?xml version="1.0" encoding="utf-8"?>
+<p:sld xmlns:a="http://schemas.openxmlformats.org/drawingml/2006/main" xmlns:r="http://schemas.openxmlformats.org/officeDocument/2006/relationships" xmlns:p="http://schemas.openxmlformats.org/presentationml/2006/main">
+  <p:cSld>
+    <p:spTree>
+      <p:nvGrpSpPr>
+        <p:cNvPr id="1" name=""/>
+        <p:cNvGrpSpPr/>
+        <p:nvPr/>
+      </p:nvGrpSpPr>
+      <p:grpSpPr>
+        <a:xfrm>
+          <a:off x="0" y="0"/>
+          <a:ext cx="0" cy="0"/>
+          <a:chOff x="0" y="0"/>
+          <a:chExt cx="0" cy="0"/>
+        </a:xfrm>
+      </p:grpSpPr>
+      <p:sp>
+        <p:nvSpPr>
+          <p:cNvPr id="2" name="Title 1">
+            <a:extLst>
+              <a:ext uri="{FF2B5EF4-FFF2-40B4-BE49-F238E27FC236}">
+                <a16:creationId xmlns:a16="http://schemas.microsoft.com/office/drawing/2014/main" id="{3D96F5B8-B912-436C-9801-B681C77ED403}"/>
+              </a:ext>
+            </a:extLst>
+          </p:cNvPr>
+          <p:cNvSpPr>
+            <a:spLocks noGrp="1"/>
+          </p:cNvSpPr>
+          <p:nvPr>
+            <p:ph type="title"/>
+          </p:nvPr>
+        </p:nvSpPr>
+        <p:spPr/>
+        <p:txBody>
+          <a:bodyPr>
+            <a:normAutofit fontScale="90000"/>
+          </a:bodyPr>
+          <a:lstStyle/>
+          <a:p>
+            <a:r>
+              <a:rPr lang="en-US" dirty="0"/>
+              <a:t>C:\CDDEV\SolFwk-LCTAG-Repository\API\LisaBank-GetAccount_1.0.0\GetAccount1-req.xml - Notepad++</a:t>
+            </a:r>
+          </a:p>
+        </p:txBody>
+      </p:sp>
+      <p:pic>
+        <p:nvPicPr>
+          <p:cNvPr id="6" name="Picture Placeholder 5" descr="*C:\CDDEV\SolFwk-LCTAG-Repository\API\LisaBank-GetAccount_1.0.0\GetAccount1-req.xml - Notepad++">
+            <a:extLst>
+              <a:ext uri="{FF2B5EF4-FFF2-40B4-BE49-F238E27FC236}">
+                <a16:creationId xmlns:a16="http://schemas.microsoft.com/office/drawing/2014/main" id="{DB90D333-DFFD-4277-989C-210D155001A3}"/>
+              </a:ext>
+            </a:extLst>
+          </p:cNvPr>
+          <p:cNvPicPr>
+            <a:picLocks noGrp="1" noChangeAspect="1"/>
+          </p:cNvPicPr>
+          <p:nvPr>
+            <p:ph type="pic" idx="4294967295"/>
+          </p:nvPr>
+        </p:nvPicPr>
+        <p:blipFill>
+          <a:blip r:embed="rId2">
+            <a:extLst>
+              <a:ext uri="{28A0092B-C50C-407E-A947-70E740481C1C}">
+                <a14:useLocalDpi xmlns:a14="http://schemas.microsoft.com/office/drawing/2010/main" val="0"/>
+              </a:ext>
+            </a:extLst>
+          </a:blip>
+          <a:srcRect/>
+          <a:stretch>
+            <a:fillRect/>
+          </a:stretch>
+        </p:blipFill>
+        <p:spPr>
+          <a:xfrm>
+            <a:off x="838200" y="3058115"/>
+            <a:ext cx="6172200" cy="987425"/>
+          </a:xfrm>
+        </p:spPr>
+      </p:pic>
+    </p:spTree>
+    <p:extLst>
+      <p:ext uri="{BB962C8B-B14F-4D97-AF65-F5344CB8AC3E}">
+        <p14:creationId xmlns:p14="http://schemas.microsoft.com/office/powerpoint/2010/main" val="961766504"/>
+      </p:ext>
+    </p:extLst>
+  </p:cSld>
+  <p:clrMapOvr>
+    <a:masterClrMapping/>
+  </p:clrMapOvr>
+</p:sld>
+</file>
+
+<file path=ppt/slides/slide18.xml><?xml version="1.0" encoding="utf-8"?>
+<p:sld xmlns:a="http://schemas.openxmlformats.org/drawingml/2006/main" xmlns:r="http://schemas.openxmlformats.org/officeDocument/2006/relationships" xmlns:p="http://schemas.openxmlformats.org/presentationml/2006/main">
+  <p:cSld>
+    <p:spTree>
+      <p:nvGrpSpPr>
+        <p:cNvPr id="1" name=""/>
+        <p:cNvGrpSpPr/>
+        <p:nvPr/>
+      </p:nvGrpSpPr>
+      <p:grpSpPr>
+        <a:xfrm>
+          <a:off x="0" y="0"/>
+          <a:ext cx="0" cy="0"/>
+          <a:chOff x="0" y="0"/>
+          <a:chExt cx="0" cy="0"/>
+        </a:xfrm>
+      </p:grpSpPr>
+      <p:sp>
+        <p:nvSpPr>
+          <p:cNvPr id="2" name="Title 1">
+            <a:extLst>
+              <a:ext uri="{FF2B5EF4-FFF2-40B4-BE49-F238E27FC236}">
+                <a16:creationId xmlns:a16="http://schemas.microsoft.com/office/drawing/2014/main" id="{80F4EAAA-A2FD-4714-A73A-E3BDB741B853}"/>
+              </a:ext>
+            </a:extLst>
+          </p:cNvPr>
+          <p:cNvSpPr>
+            <a:spLocks noGrp="1"/>
+          </p:cNvSpPr>
+          <p:nvPr>
+            <p:ph type="title"/>
+          </p:nvPr>
+        </p:nvSpPr>
+        <p:spPr/>
+        <p:txBody>
+          <a:bodyPr>
+            <a:normAutofit fontScale="90000"/>
+          </a:bodyPr>
+          <a:lstStyle/>
+          <a:p>
+            <a:r>
+              <a:rPr lang="en-US" dirty="0"/>
+              <a:t>C:\CDDEV\SolFwk-LCTAG-Repository\API\LisaBank-GetAccount_1.0.0\GetAccount1-val.xml - Notepad++</a:t>
+            </a:r>
+          </a:p>
+        </p:txBody>
+      </p:sp>
+      <p:pic>
+        <p:nvPicPr>
+          <p:cNvPr id="6" name="Picture Placeholder 5" descr="*C:\CDDEV\SolFwk-LCTAG-Repository\API\LisaBank-GetAccount_1.0.0\GetAccount1-val.xml - Notepad++">
+            <a:extLst>
+              <a:ext uri="{FF2B5EF4-FFF2-40B4-BE49-F238E27FC236}">
+                <a16:creationId xmlns:a16="http://schemas.microsoft.com/office/drawing/2014/main" id="{B88FF12F-261E-49E3-A75F-1B0EED78018C}"/>
+              </a:ext>
+            </a:extLst>
+          </p:cNvPr>
+          <p:cNvPicPr>
+            <a:picLocks noGrp="1" noChangeAspect="1"/>
+          </p:cNvPicPr>
+          <p:nvPr>
+            <p:ph type="pic" idx="4294967295"/>
+          </p:nvPr>
+        </p:nvPicPr>
+        <p:blipFill>
+          <a:blip r:embed="rId2">
+            <a:extLst>
+              <a:ext uri="{28A0092B-C50C-407E-A947-70E740481C1C}">
+                <a14:useLocalDpi xmlns:a14="http://schemas.microsoft.com/office/drawing/2010/main" val="0"/>
+              </a:ext>
+            </a:extLst>
+          </a:blip>
+          <a:srcRect/>
+          <a:stretch>
+            <a:fillRect/>
+          </a:stretch>
+        </p:blipFill>
+        <p:spPr>
+          <a:xfrm>
+            <a:off x="838200" y="2875416"/>
+            <a:ext cx="6172200" cy="2011362"/>
+          </a:xfrm>
+        </p:spPr>
+      </p:pic>
+    </p:spTree>
+    <p:extLst>
+      <p:ext uri="{BB962C8B-B14F-4D97-AF65-F5344CB8AC3E}">
+        <p14:creationId xmlns:p14="http://schemas.microsoft.com/office/powerpoint/2010/main" val="2990227967"/>
+      </p:ext>
+    </p:extLst>
+  </p:cSld>
+  <p:clrMapOvr>
+    <a:masterClrMapping/>
+  </p:clrMapOvr>
+</p:sld>
+</file>
+
+<file path=ppt/slides/slide19.xml><?xml version="1.0" encoding="utf-8"?>
+<p:sld xmlns:a="http://schemas.openxmlformats.org/drawingml/2006/main" xmlns:r="http://schemas.openxmlformats.org/officeDocument/2006/relationships" xmlns:p="http://schemas.openxmlformats.org/presentationml/2006/main">
+  <p:cSld>
+    <p:spTree>
+      <p:nvGrpSpPr>
+        <p:cNvPr id="1" name=""/>
+        <p:cNvGrpSpPr/>
+        <p:nvPr/>
+      </p:nvGrpSpPr>
+      <p:grpSpPr>
+        <a:xfrm>
+          <a:off x="0" y="0"/>
+          <a:ext cx="0" cy="0"/>
+          <a:chOff x="0" y="0"/>
+          <a:chExt cx="0" cy="0"/>
+        </a:xfrm>
+      </p:grpSpPr>
+      <p:sp>
+        <p:nvSpPr>
+          <p:cNvPr id="2" name="Title 1">
+            <a:extLst>
+              <a:ext uri="{FF2B5EF4-FFF2-40B4-BE49-F238E27FC236}">
+                <a16:creationId xmlns:a16="http://schemas.microsoft.com/office/drawing/2014/main" id="{8BCE0C09-B39E-4D03-A103-39E397D599D6}"/>
+              </a:ext>
+            </a:extLst>
+          </p:cNvPr>
+          <p:cNvSpPr>
+            <a:spLocks noGrp="1"/>
+          </p:cNvSpPr>
+          <p:nvPr>
+            <p:ph type="title"/>
+          </p:nvPr>
+        </p:nvSpPr>
+        <p:spPr/>
+        <p:txBody>
+          <a:bodyPr>
+            <a:normAutofit fontScale="90000"/>
+          </a:bodyPr>
+          <a:lstStyle/>
+          <a:p>
+            <a:r>
+              <a:rPr lang="en-US"/>
+              <a:t>C:\CDDEV\SolFwk-LCTAG-Repository\VirtualServiceValidation\LisaBank-GetAccount_1.0.0\GetAccount1-val.xml - Notepad++</a:t>
+            </a:r>
+          </a:p>
+        </p:txBody>
+      </p:sp>
+      <p:pic>
+        <p:nvPicPr>
+          <p:cNvPr id="6" name="Picture Placeholder 5" descr="C:\CDDEV\SolFwk-LCTAG-Repository\VirtualServiceValidation\LisaBank-GetAccount_1.0.0\GetAccount1-val.xml - Notepad++">
+            <a:extLst>
+              <a:ext uri="{FF2B5EF4-FFF2-40B4-BE49-F238E27FC236}">
+                <a16:creationId xmlns:a16="http://schemas.microsoft.com/office/drawing/2014/main" id="{B602EF58-881F-4EEC-93AB-F9EC6DA6484E}"/>
+              </a:ext>
+            </a:extLst>
+          </p:cNvPr>
+          <p:cNvPicPr>
+            <a:picLocks noGrp="1" noChangeAspect="1"/>
+          </p:cNvPicPr>
+          <p:nvPr>
+            <p:ph type="pic" idx="4294967295"/>
+          </p:nvPr>
+        </p:nvPicPr>
+        <p:blipFill>
+          <a:blip r:embed="rId2">
+            <a:extLst>
+              <a:ext uri="{28A0092B-C50C-407E-A947-70E740481C1C}">
+                <a14:useLocalDpi xmlns:a14="http://schemas.microsoft.com/office/drawing/2010/main" val="0"/>
+              </a:ext>
+            </a:extLst>
+          </a:blip>
+          <a:srcRect/>
+          <a:stretch>
+            <a:fillRect/>
+          </a:stretch>
+        </p:blipFill>
+        <p:spPr>
+          <a:xfrm>
+            <a:off x="838200" y="2587081"/>
+            <a:ext cx="6172200" cy="781050"/>
+          </a:xfrm>
+        </p:spPr>
+      </p:pic>
+      <p:pic>
+        <p:nvPicPr>
+          <p:cNvPr id="7" name="Picture Placeholder 5" descr="C:\CDDEV\SolFwk-LCTAG-Repository\VirtualServiceValidation\LisaBank-GetAccount_1.0.0\GetAccount1-val.xml - Notepad++">
+            <a:extLst>
+              <a:ext uri="{FF2B5EF4-FFF2-40B4-BE49-F238E27FC236}">
+                <a16:creationId xmlns:a16="http://schemas.microsoft.com/office/drawing/2014/main" id="{FC3BDE05-BDFA-4085-AE1A-7377C327932F}"/>
+              </a:ext>
+            </a:extLst>
+          </p:cNvPr>
+          <p:cNvPicPr>
+            <a:picLocks noChangeAspect="1"/>
+          </p:cNvPicPr>
+          <p:nvPr/>
+        </p:nvPicPr>
+        <p:blipFill>
+          <a:blip r:embed="rId3">
+            <a:extLst>
+              <a:ext uri="{28A0092B-C50C-407E-A947-70E740481C1C}">
+                <a14:useLocalDpi xmlns:a14="http://schemas.microsoft.com/office/drawing/2010/main" val="0"/>
+              </a:ext>
+            </a:extLst>
+          </a:blip>
+          <a:srcRect/>
+          <a:stretch>
+            <a:fillRect/>
+          </a:stretch>
+        </p:blipFill>
+        <p:spPr>
+          <a:xfrm>
+            <a:off x="838200" y="3845365"/>
+            <a:ext cx="3648584" cy="838317"/>
+          </a:xfrm>
+          <a:prstGeom prst="rect">
+            <a:avLst/>
+          </a:prstGeom>
+        </p:spPr>
+      </p:pic>
+      <p:pic>
+        <p:nvPicPr>
+          <p:cNvPr id="8" name="Picture Placeholder 5" descr="*C:\CDDEV\SolFwk-LCTAG-Repository\API\LisaBank-GetAccount_1.0.0\GetAccount1-val.xml - Notepad++">
+            <a:extLst>
+              <a:ext uri="{FF2B5EF4-FFF2-40B4-BE49-F238E27FC236}">
+                <a16:creationId xmlns:a16="http://schemas.microsoft.com/office/drawing/2014/main" id="{CB839A01-B404-4178-8BDB-7546F3E6017E}"/>
+              </a:ext>
+            </a:extLst>
+          </p:cNvPr>
+          <p:cNvPicPr>
+            <a:picLocks noChangeAspect="1"/>
+          </p:cNvPicPr>
+          <p:nvPr/>
+        </p:nvPicPr>
+        <p:blipFill>
+          <a:blip r:embed="rId4">
+            <a:extLst>
+              <a:ext uri="{28A0092B-C50C-407E-A947-70E740481C1C}">
+                <a14:useLocalDpi xmlns:a14="http://schemas.microsoft.com/office/drawing/2010/main" val="0"/>
+              </a:ext>
+            </a:extLst>
+          </a:blip>
+          <a:srcRect/>
+          <a:stretch>
+            <a:fillRect/>
+          </a:stretch>
+        </p:blipFill>
+        <p:spPr>
+          <a:xfrm>
+            <a:off x="838200" y="5426847"/>
+            <a:ext cx="6172200" cy="716507"/>
+          </a:xfrm>
+          <a:prstGeom prst="rect">
+            <a:avLst/>
+          </a:prstGeom>
+        </p:spPr>
+      </p:pic>
+    </p:spTree>
+    <p:extLst>
+      <p:ext uri="{BB962C8B-B14F-4D97-AF65-F5344CB8AC3E}">
+        <p14:creationId xmlns:p14="http://schemas.microsoft.com/office/powerpoint/2010/main" val="551345215"/>
+      </p:ext>
+    </p:extLst>
+  </p:cSld>
+  <p:clrMapOvr>
+    <a:masterClrMapping/>
+  </p:clrMapOvr>
+</p:sld>
+</file>
+
 <file path=ppt/slides/slide2.xml><?xml version="1.0" encoding="utf-8"?>
 <p:sld xmlns:a="http://schemas.openxmlformats.org/drawingml/2006/main" xmlns:r="http://schemas.openxmlformats.org/officeDocument/2006/relationships" xmlns:p="http://schemas.openxmlformats.org/presentationml/2006/main">
   <p:cSld>
@@ -3437,6 +4538,1178 @@
           <p:cNvPr id="2" name="Title 1">
             <a:extLst>
               <a:ext uri="{FF2B5EF4-FFF2-40B4-BE49-F238E27FC236}">
+                <a16:creationId xmlns:a16="http://schemas.microsoft.com/office/drawing/2014/main" id="{B953C91F-6014-43D2-AD2B-A2FB929127BD}"/>
+              </a:ext>
+            </a:extLst>
+          </p:cNvPr>
+          <p:cNvSpPr>
+            <a:spLocks noGrp="1"/>
+          </p:cNvSpPr>
+          <p:nvPr>
+            <p:ph type="title"/>
+          </p:nvPr>
+        </p:nvSpPr>
+        <p:spPr/>
+        <p:txBody>
+          <a:bodyPr/>
+          <a:lstStyle/>
+          <a:p>
+            <a:r>
+              <a:rPr lang="nl-BE" dirty="0"/>
+              <a:t>High-Level Architecture</a:t>
+            </a:r>
+            <a:endParaRPr lang="en-US" dirty="0"/>
+          </a:p>
+        </p:txBody>
+      </p:sp>
+      <p:sp>
+        <p:nvSpPr>
+          <p:cNvPr id="3" name="Text Placeholder 2">
+            <a:extLst>
+              <a:ext uri="{FF2B5EF4-FFF2-40B4-BE49-F238E27FC236}">
+                <a16:creationId xmlns:a16="http://schemas.microsoft.com/office/drawing/2014/main" id="{E269CA98-853D-4EE0-A8CA-05EE4D849235}"/>
+              </a:ext>
+            </a:extLst>
+          </p:cNvPr>
+          <p:cNvSpPr>
+            <a:spLocks noGrp="1"/>
+          </p:cNvSpPr>
+          <p:nvPr>
+            <p:ph type="body" idx="1"/>
+          </p:nvPr>
+        </p:nvSpPr>
+        <p:spPr/>
+        <p:txBody>
+          <a:bodyPr/>
+          <a:lstStyle/>
+          <a:p>
+            <a:endParaRPr lang="en-US"/>
+          </a:p>
+        </p:txBody>
+      </p:sp>
+    </p:spTree>
+    <p:extLst>
+      <p:ext uri="{BB962C8B-B14F-4D97-AF65-F5344CB8AC3E}">
+        <p14:creationId xmlns:p14="http://schemas.microsoft.com/office/powerpoint/2010/main" val="2990189875"/>
+      </p:ext>
+    </p:extLst>
+  </p:cSld>
+  <p:clrMapOvr>
+    <a:masterClrMapping/>
+  </p:clrMapOvr>
+</p:sld>
+</file>
+
+<file path=ppt/slides/slide20.xml><?xml version="1.0" encoding="utf-8"?>
+<p:sld xmlns:a="http://schemas.openxmlformats.org/drawingml/2006/main" xmlns:r="http://schemas.openxmlformats.org/officeDocument/2006/relationships" xmlns:p="http://schemas.openxmlformats.org/presentationml/2006/main">
+  <p:cSld>
+    <p:spTree>
+      <p:nvGrpSpPr>
+        <p:cNvPr id="1" name=""/>
+        <p:cNvGrpSpPr/>
+        <p:nvPr/>
+      </p:nvGrpSpPr>
+      <p:grpSpPr>
+        <a:xfrm>
+          <a:off x="0" y="0"/>
+          <a:ext cx="0" cy="0"/>
+          <a:chOff x="0" y="0"/>
+          <a:chExt cx="0" cy="0"/>
+        </a:xfrm>
+      </p:grpSpPr>
+      <p:sp>
+        <p:nvSpPr>
+          <p:cNvPr id="2" name="Title 1">
+            <a:extLst>
+              <a:ext uri="{FF2B5EF4-FFF2-40B4-BE49-F238E27FC236}">
+                <a16:creationId xmlns:a16="http://schemas.microsoft.com/office/drawing/2014/main" id="{0ECFAC29-8DF5-45B8-BAAB-36072CAB95F3}"/>
+              </a:ext>
+            </a:extLst>
+          </p:cNvPr>
+          <p:cNvSpPr>
+            <a:spLocks noGrp="1"/>
+          </p:cNvSpPr>
+          <p:nvPr>
+            <p:ph type="title"/>
+          </p:nvPr>
+        </p:nvSpPr>
+        <p:spPr/>
+        <p:txBody>
+          <a:bodyPr/>
+          <a:lstStyle/>
+          <a:p>
+            <a:r>
+              <a:rPr lang="nl-NL"/>
+              <a:t>Zoeken naar bestanden of mappen</a:t>
+            </a:r>
+            <a:endParaRPr lang="en-US"/>
+          </a:p>
+        </p:txBody>
+      </p:sp>
+      <p:pic>
+        <p:nvPicPr>
+          <p:cNvPr id="6" name="Picture Placeholder 5" descr="Zoeken naar bestanden of mappen">
+            <a:extLst>
+              <a:ext uri="{FF2B5EF4-FFF2-40B4-BE49-F238E27FC236}">
+                <a16:creationId xmlns:a16="http://schemas.microsoft.com/office/drawing/2014/main" id="{83F0792F-0CB4-4496-9F57-4C28C3E1D532}"/>
+              </a:ext>
+            </a:extLst>
+          </p:cNvPr>
+          <p:cNvPicPr>
+            <a:picLocks noGrp="1" noChangeAspect="1"/>
+          </p:cNvPicPr>
+          <p:nvPr>
+            <p:ph type="pic" idx="4294967295"/>
+          </p:nvPr>
+        </p:nvPicPr>
+        <p:blipFill>
+          <a:blip r:embed="rId2">
+            <a:extLst>
+              <a:ext uri="{28A0092B-C50C-407E-A947-70E740481C1C}">
+                <a14:useLocalDpi xmlns:a14="http://schemas.microsoft.com/office/drawing/2010/main" val="0"/>
+              </a:ext>
+            </a:extLst>
+          </a:blip>
+          <a:srcRect/>
+          <a:stretch>
+            <a:fillRect/>
+          </a:stretch>
+        </p:blipFill>
+        <p:spPr>
+          <a:xfrm>
+            <a:off x="838200" y="2034858"/>
+            <a:ext cx="4210050" cy="3638550"/>
+          </a:xfrm>
+        </p:spPr>
+      </p:pic>
+    </p:spTree>
+    <p:extLst>
+      <p:ext uri="{BB962C8B-B14F-4D97-AF65-F5344CB8AC3E}">
+        <p14:creationId xmlns:p14="http://schemas.microsoft.com/office/powerpoint/2010/main" val="3742000448"/>
+      </p:ext>
+    </p:extLst>
+  </p:cSld>
+  <p:clrMapOvr>
+    <a:masterClrMapping/>
+  </p:clrMapOvr>
+</p:sld>
+</file>
+
+<file path=ppt/slides/slide21.xml><?xml version="1.0" encoding="utf-8"?>
+<p:sld xmlns:a="http://schemas.openxmlformats.org/drawingml/2006/main" xmlns:r="http://schemas.openxmlformats.org/officeDocument/2006/relationships" xmlns:p="http://schemas.openxmlformats.org/presentationml/2006/main">
+  <p:cSld>
+    <p:spTree>
+      <p:nvGrpSpPr>
+        <p:cNvPr id="1" name=""/>
+        <p:cNvGrpSpPr/>
+        <p:nvPr/>
+      </p:nvGrpSpPr>
+      <p:grpSpPr>
+        <a:xfrm>
+          <a:off x="0" y="0"/>
+          <a:ext cx="0" cy="0"/>
+          <a:chOff x="0" y="0"/>
+          <a:chExt cx="0" cy="0"/>
+        </a:xfrm>
+      </p:grpSpPr>
+      <p:sp>
+        <p:nvSpPr>
+          <p:cNvPr id="2" name="Title 1">
+            <a:extLst>
+              <a:ext uri="{FF2B5EF4-FFF2-40B4-BE49-F238E27FC236}">
+                <a16:creationId xmlns:a16="http://schemas.microsoft.com/office/drawing/2014/main" id="{678F96E4-B0B1-41C6-AFC8-50BCD0843BD3}"/>
+              </a:ext>
+            </a:extLst>
+          </p:cNvPr>
+          <p:cNvSpPr>
+            <a:spLocks noGrp="1"/>
+          </p:cNvSpPr>
+          <p:nvPr>
+            <p:ph type="title"/>
+          </p:nvPr>
+        </p:nvSpPr>
+        <p:spPr/>
+        <p:txBody>
+          <a:bodyPr>
+            <a:normAutofit/>
+          </a:bodyPr>
+          <a:lstStyle/>
+          <a:p>
+            <a:r>
+              <a:rPr lang="en-US"/>
+              <a:t>DevTest Solutions v10.3.0 (10.3.0.297) : DevTest Workstation (User: admin)</a:t>
+            </a:r>
+          </a:p>
+        </p:txBody>
+      </p:sp>
+      <p:pic>
+        <p:nvPicPr>
+          <p:cNvPr id="6" name="Picture Placeholder 5" descr="DevTest Solutions v10.3.0 (10.3.0.297) : DevTest Workstation (User: admin)">
+            <a:extLst>
+              <a:ext uri="{FF2B5EF4-FFF2-40B4-BE49-F238E27FC236}">
+                <a16:creationId xmlns:a16="http://schemas.microsoft.com/office/drawing/2014/main" id="{3495B9BC-8651-40DE-983F-D68EB47F4EAD}"/>
+              </a:ext>
+            </a:extLst>
+          </p:cNvPr>
+          <p:cNvPicPr>
+            <a:picLocks noGrp="1" noChangeAspect="1"/>
+          </p:cNvPicPr>
+          <p:nvPr>
+            <p:ph type="pic" idx="4294967295"/>
+          </p:nvPr>
+        </p:nvPicPr>
+        <p:blipFill>
+          <a:blip r:embed="rId2">
+            <a:extLst>
+              <a:ext uri="{28A0092B-C50C-407E-A947-70E740481C1C}">
+                <a14:useLocalDpi xmlns:a14="http://schemas.microsoft.com/office/drawing/2010/main" val="0"/>
+              </a:ext>
+            </a:extLst>
+          </a:blip>
+          <a:srcRect/>
+          <a:stretch>
+            <a:fillRect/>
+          </a:stretch>
+        </p:blipFill>
+        <p:spPr>
+          <a:xfrm>
+            <a:off x="838200" y="2169478"/>
+            <a:ext cx="6172200" cy="854075"/>
+          </a:xfrm>
+        </p:spPr>
+      </p:pic>
+      <p:pic>
+        <p:nvPicPr>
+          <p:cNvPr id="7" name="Picture Placeholder 5" descr="DevTest Solutions v10.3.0 (10.3.0.297) : DevTest Workstation (User: admin)">
+            <a:extLst>
+              <a:ext uri="{FF2B5EF4-FFF2-40B4-BE49-F238E27FC236}">
+                <a16:creationId xmlns:a16="http://schemas.microsoft.com/office/drawing/2014/main" id="{76BDD2D5-C6C4-4FE5-95EE-417B76184963}"/>
+              </a:ext>
+            </a:extLst>
+          </p:cNvPr>
+          <p:cNvPicPr>
+            <a:picLocks noChangeAspect="1"/>
+          </p:cNvPicPr>
+          <p:nvPr/>
+        </p:nvPicPr>
+        <p:blipFill>
+          <a:blip r:embed="rId3">
+            <a:extLst>
+              <a:ext uri="{28A0092B-C50C-407E-A947-70E740481C1C}">
+                <a14:useLocalDpi xmlns:a14="http://schemas.microsoft.com/office/drawing/2010/main" val="0"/>
+              </a:ext>
+            </a:extLst>
+          </a:blip>
+          <a:srcRect/>
+          <a:stretch>
+            <a:fillRect/>
+          </a:stretch>
+        </p:blipFill>
+        <p:spPr>
+          <a:xfrm>
+            <a:off x="838200" y="3834448"/>
+            <a:ext cx="6172200" cy="1455927"/>
+          </a:xfrm>
+          <a:prstGeom prst="rect">
+            <a:avLst/>
+          </a:prstGeom>
+        </p:spPr>
+      </p:pic>
+      <p:pic>
+        <p:nvPicPr>
+          <p:cNvPr id="8" name="Picture Placeholder 5" descr="DevTest Solutions v10.3.0 (10.3.0.297) : DevTest Workstation (User: admin)">
+            <a:extLst>
+              <a:ext uri="{FF2B5EF4-FFF2-40B4-BE49-F238E27FC236}">
+                <a16:creationId xmlns:a16="http://schemas.microsoft.com/office/drawing/2014/main" id="{DFF7EB51-0A89-466B-AB64-2506B64CCC19}"/>
+              </a:ext>
+            </a:extLst>
+          </p:cNvPr>
+          <p:cNvPicPr>
+            <a:picLocks noChangeAspect="1"/>
+          </p:cNvPicPr>
+          <p:nvPr/>
+        </p:nvPicPr>
+        <p:blipFill>
+          <a:blip r:embed="rId4">
+            <a:extLst>
+              <a:ext uri="{28A0092B-C50C-407E-A947-70E740481C1C}">
+                <a14:useLocalDpi xmlns:a14="http://schemas.microsoft.com/office/drawing/2010/main" val="0"/>
+              </a:ext>
+            </a:extLst>
+          </a:blip>
+          <a:srcRect/>
+          <a:stretch>
+            <a:fillRect/>
+          </a:stretch>
+        </p:blipFill>
+        <p:spPr>
+          <a:xfrm>
+            <a:off x="7561036" y="2169478"/>
+            <a:ext cx="4334480" cy="2648320"/>
+          </a:xfrm>
+          <a:prstGeom prst="rect">
+            <a:avLst/>
+          </a:prstGeom>
+        </p:spPr>
+      </p:pic>
+    </p:spTree>
+    <p:extLst>
+      <p:ext uri="{BB962C8B-B14F-4D97-AF65-F5344CB8AC3E}">
+        <p14:creationId xmlns:p14="http://schemas.microsoft.com/office/powerpoint/2010/main" val="4056213638"/>
+      </p:ext>
+    </p:extLst>
+  </p:cSld>
+  <p:clrMapOvr>
+    <a:masterClrMapping/>
+  </p:clrMapOvr>
+</p:sld>
+</file>
+
+<file path=ppt/slides/slide3.xml><?xml version="1.0" encoding="utf-8"?>
+<p:sld xmlns:a="http://schemas.openxmlformats.org/drawingml/2006/main" xmlns:r="http://schemas.openxmlformats.org/officeDocument/2006/relationships" xmlns:p="http://schemas.openxmlformats.org/presentationml/2006/main">
+  <p:cSld>
+    <p:spTree>
+      <p:nvGrpSpPr>
+        <p:cNvPr id="1" name=""/>
+        <p:cNvGrpSpPr/>
+        <p:nvPr/>
+      </p:nvGrpSpPr>
+      <p:grpSpPr>
+        <a:xfrm>
+          <a:off x="0" y="0"/>
+          <a:ext cx="0" cy="0"/>
+          <a:chOff x="0" y="0"/>
+          <a:chExt cx="0" cy="0"/>
+        </a:xfrm>
+      </p:grpSpPr>
+      <p:sp>
+        <p:nvSpPr>
+          <p:cNvPr id="2" name="Title 1">
+            <a:extLst>
+              <a:ext uri="{FF2B5EF4-FFF2-40B4-BE49-F238E27FC236}">
+                <a16:creationId xmlns:a16="http://schemas.microsoft.com/office/drawing/2014/main" id="{E99DFCFA-44BB-4AAB-B773-3C31A3311A8B}"/>
+              </a:ext>
+            </a:extLst>
+          </p:cNvPr>
+          <p:cNvSpPr>
+            <a:spLocks noGrp="1"/>
+          </p:cNvSpPr>
+          <p:nvPr>
+            <p:ph type="title"/>
+          </p:nvPr>
+        </p:nvSpPr>
+        <p:spPr/>
+        <p:txBody>
+          <a:bodyPr/>
+          <a:lstStyle/>
+          <a:p>
+            <a:r>
+              <a:rPr lang="nl-BE" dirty="0"/>
+              <a:t>High-Level Architecture</a:t>
+            </a:r>
+            <a:endParaRPr lang="en-US" dirty="0"/>
+          </a:p>
+        </p:txBody>
+      </p:sp>
+      <p:sp>
+        <p:nvSpPr>
+          <p:cNvPr id="13" name="Rectangle: Rounded Corners 12">
+            <a:extLst>
+              <a:ext uri="{FF2B5EF4-FFF2-40B4-BE49-F238E27FC236}">
+                <a16:creationId xmlns:a16="http://schemas.microsoft.com/office/drawing/2014/main" id="{0DCE170F-E18B-4D38-80A1-DE3FAAE638B7}"/>
+              </a:ext>
+            </a:extLst>
+          </p:cNvPr>
+          <p:cNvSpPr/>
+          <p:nvPr/>
+        </p:nvSpPr>
+        <p:spPr>
+          <a:xfrm>
+            <a:off x="1051089" y="2824366"/>
+            <a:ext cx="5216435" cy="3535863"/>
+          </a:xfrm>
+          <a:prstGeom prst="roundRect">
+            <a:avLst/>
+          </a:prstGeom>
+        </p:spPr>
+        <p:style>
+          <a:lnRef idx="2">
+            <a:schemeClr val="accent3"/>
+          </a:lnRef>
+          <a:fillRef idx="1">
+            <a:schemeClr val="lt1"/>
+          </a:fillRef>
+          <a:effectRef idx="0">
+            <a:schemeClr val="accent3"/>
+          </a:effectRef>
+          <a:fontRef idx="minor">
+            <a:schemeClr val="dk1"/>
+          </a:fontRef>
+        </p:style>
+        <p:txBody>
+          <a:bodyPr rtlCol="0" anchor="ctr"/>
+          <a:lstStyle/>
+          <a:p>
+            <a:pPr algn="ctr"/>
+            <a:endParaRPr lang="en-US"/>
+          </a:p>
+        </p:txBody>
+      </p:sp>
+      <p:sp>
+        <p:nvSpPr>
+          <p:cNvPr id="5" name="Graphic 3" descr="Folder">
+            <a:extLst>
+              <a:ext uri="{FF2B5EF4-FFF2-40B4-BE49-F238E27FC236}">
+                <a16:creationId xmlns:a16="http://schemas.microsoft.com/office/drawing/2014/main" id="{886C8EED-9228-4A4B-A74F-26FDCE495A09}"/>
+              </a:ext>
+            </a:extLst>
+          </p:cNvPr>
+          <p:cNvSpPr/>
+          <p:nvPr/>
+        </p:nvSpPr>
+        <p:spPr>
+          <a:xfrm>
+            <a:off x="905691" y="2605248"/>
+            <a:ext cx="1045029" cy="820508"/>
+          </a:xfrm>
+          <a:custGeom>
+            <a:avLst/>
+            <a:gdLst>
+              <a:gd name="connsiteX0" fmla="*/ 1271083 w 1353003"/>
+              <a:gd name="connsiteY0" fmla="*/ 1021846 h 1032555"/>
+              <a:gd name="connsiteX1" fmla="*/ 96107 w 1353003"/>
+              <a:gd name="connsiteY1" fmla="*/ 1021846 h 1032555"/>
+              <a:gd name="connsiteX2" fmla="*/ 24896 w 1353003"/>
+              <a:gd name="connsiteY2" fmla="*/ 950635 h 1032555"/>
+              <a:gd name="connsiteX3" fmla="*/ 24896 w 1353003"/>
+              <a:gd name="connsiteY3" fmla="*/ 96107 h 1032555"/>
+              <a:gd name="connsiteX4" fmla="*/ 96107 w 1353003"/>
+              <a:gd name="connsiteY4" fmla="*/ 24896 h 1032555"/>
+              <a:gd name="connsiteX5" fmla="*/ 430797 w 1353003"/>
+              <a:gd name="connsiteY5" fmla="*/ 24896 h 1032555"/>
+              <a:gd name="connsiteX6" fmla="*/ 469963 w 1353003"/>
+              <a:gd name="connsiteY6" fmla="*/ 37358 h 1032555"/>
+              <a:gd name="connsiteX7" fmla="*/ 665792 w 1353003"/>
+              <a:gd name="connsiteY7" fmla="*/ 167317 h 1032555"/>
+              <a:gd name="connsiteX8" fmla="*/ 1271083 w 1353003"/>
+              <a:gd name="connsiteY8" fmla="*/ 167317 h 1032555"/>
+              <a:gd name="connsiteX9" fmla="*/ 1342294 w 1353003"/>
+              <a:gd name="connsiteY9" fmla="*/ 238528 h 1032555"/>
+              <a:gd name="connsiteX10" fmla="*/ 1342294 w 1353003"/>
+              <a:gd name="connsiteY10" fmla="*/ 950635 h 1032555"/>
+              <a:gd name="connsiteX11" fmla="*/ 1271083 w 1353003"/>
+              <a:gd name="connsiteY11" fmla="*/ 1021846 h 1032555"/>
+            </a:gdLst>
+            <a:ahLst/>
+            <a:cxnLst>
+              <a:cxn ang="0">
+                <a:pos x="connsiteX0" y="connsiteY0"/>
+              </a:cxn>
+              <a:cxn ang="0">
+                <a:pos x="connsiteX1" y="connsiteY1"/>
+              </a:cxn>
+              <a:cxn ang="0">
+                <a:pos x="connsiteX2" y="connsiteY2"/>
+              </a:cxn>
+              <a:cxn ang="0">
+                <a:pos x="connsiteX3" y="connsiteY3"/>
+              </a:cxn>
+              <a:cxn ang="0">
+                <a:pos x="connsiteX4" y="connsiteY4"/>
+              </a:cxn>
+              <a:cxn ang="0">
+                <a:pos x="connsiteX5" y="connsiteY5"/>
+              </a:cxn>
+              <a:cxn ang="0">
+                <a:pos x="connsiteX6" y="connsiteY6"/>
+              </a:cxn>
+              <a:cxn ang="0">
+                <a:pos x="connsiteX7" y="connsiteY7"/>
+              </a:cxn>
+              <a:cxn ang="0">
+                <a:pos x="connsiteX8" y="connsiteY8"/>
+              </a:cxn>
+              <a:cxn ang="0">
+                <a:pos x="connsiteX9" y="connsiteY9"/>
+              </a:cxn>
+              <a:cxn ang="0">
+                <a:pos x="connsiteX10" y="connsiteY10"/>
+              </a:cxn>
+              <a:cxn ang="0">
+                <a:pos x="connsiteX11" y="connsiteY11"/>
+              </a:cxn>
+            </a:cxnLst>
+            <a:rect l="l" t="t" r="r" b="b"/>
+            <a:pathLst>
+              <a:path w="1353003" h="1032555">
+                <a:moveTo>
+                  <a:pt x="1271083" y="1021846"/>
+                </a:moveTo>
+                <a:lnTo>
+                  <a:pt x="96107" y="1021846"/>
+                </a:lnTo>
+                <a:cubicBezTo>
+                  <a:pt x="56941" y="1021846"/>
+                  <a:pt x="24896" y="989801"/>
+                  <a:pt x="24896" y="950635"/>
+                </a:cubicBezTo>
+                <a:lnTo>
+                  <a:pt x="24896" y="96107"/>
+                </a:lnTo>
+                <a:cubicBezTo>
+                  <a:pt x="24896" y="56941"/>
+                  <a:pt x="56941" y="24896"/>
+                  <a:pt x="96107" y="24896"/>
+                </a:cubicBezTo>
+                <a:lnTo>
+                  <a:pt x="430797" y="24896"/>
+                </a:lnTo>
+                <a:cubicBezTo>
+                  <a:pt x="445039" y="24896"/>
+                  <a:pt x="459281" y="28456"/>
+                  <a:pt x="469963" y="37358"/>
+                </a:cubicBezTo>
+                <a:lnTo>
+                  <a:pt x="665792" y="167317"/>
+                </a:lnTo>
+                <a:lnTo>
+                  <a:pt x="1271083" y="167317"/>
+                </a:lnTo>
+                <a:cubicBezTo>
+                  <a:pt x="1310249" y="167317"/>
+                  <a:pt x="1342294" y="199362"/>
+                  <a:pt x="1342294" y="238528"/>
+                </a:cubicBezTo>
+                <a:lnTo>
+                  <a:pt x="1342294" y="950635"/>
+                </a:lnTo>
+                <a:cubicBezTo>
+                  <a:pt x="1342294" y="989801"/>
+                  <a:pt x="1310249" y="1021846"/>
+                  <a:pt x="1271083" y="1021846"/>
+                </a:cubicBezTo>
+                <a:close/>
+              </a:path>
+            </a:pathLst>
+          </a:custGeom>
+          <a:solidFill>
+            <a:schemeClr val="accent4">
+              <a:lumMod val="40000"/>
+              <a:lumOff val="60000"/>
+            </a:schemeClr>
+          </a:solidFill>
+          <a:ln w="3175" cap="flat">
+            <a:solidFill>
+              <a:schemeClr val="tx1"/>
+            </a:solidFill>
+            <a:prstDash val="solid"/>
+            <a:miter/>
+          </a:ln>
+        </p:spPr>
+        <p:txBody>
+          <a:bodyPr rtlCol="0" anchor="ctr"/>
+          <a:lstStyle/>
+          <a:p>
+            <a:pPr algn="ctr"/>
+            <a:endParaRPr lang="nl-BE" sz="1200" dirty="0"/>
+          </a:p>
+          <a:p>
+            <a:pPr algn="ctr"/>
+            <a:r>
+              <a:rPr lang="nl-BE" sz="1200" dirty="0"/>
+              <a:t>File-based API Test Repository</a:t>
+            </a:r>
+            <a:endParaRPr lang="en-US" sz="1200" dirty="0"/>
+          </a:p>
+        </p:txBody>
+      </p:sp>
+      <p:pic>
+        <p:nvPicPr>
+          <p:cNvPr id="14" name="Picture Placeholder 5" descr="CA-DevTest-Solution-Patterns">
+            <a:extLst>
+              <a:ext uri="{FF2B5EF4-FFF2-40B4-BE49-F238E27FC236}">
+                <a16:creationId xmlns:a16="http://schemas.microsoft.com/office/drawing/2014/main" id="{366F3122-376A-4058-A3F8-D0D358FDB463}"/>
+              </a:ext>
+            </a:extLst>
+          </p:cNvPr>
+          <p:cNvPicPr>
+            <a:picLocks noChangeAspect="1"/>
+          </p:cNvPicPr>
+          <p:nvPr/>
+        </p:nvPicPr>
+        <p:blipFill>
+          <a:blip r:embed="rId2">
+            <a:extLst>
+              <a:ext uri="{28A0092B-C50C-407E-A947-70E740481C1C}">
+                <a14:useLocalDpi xmlns:a14="http://schemas.microsoft.com/office/drawing/2010/main" val="0"/>
+              </a:ext>
+            </a:extLst>
+          </a:blip>
+          <a:srcRect/>
+          <a:stretch>
+            <a:fillRect/>
+          </a:stretch>
+        </p:blipFill>
+        <p:spPr>
+          <a:xfrm>
+            <a:off x="7787641" y="2740225"/>
+            <a:ext cx="2857899" cy="3620005"/>
+          </a:xfrm>
+          <a:prstGeom prst="rect">
+            <a:avLst/>
+          </a:prstGeom>
+        </p:spPr>
+      </p:pic>
+      <p:sp>
+        <p:nvSpPr>
+          <p:cNvPr id="17" name="Callout: Line 16">
+            <a:extLst>
+              <a:ext uri="{FF2B5EF4-FFF2-40B4-BE49-F238E27FC236}">
+                <a16:creationId xmlns:a16="http://schemas.microsoft.com/office/drawing/2014/main" id="{06F7EA86-0F5A-4B95-B0F7-5B34027D5074}"/>
+              </a:ext>
+            </a:extLst>
+          </p:cNvPr>
+          <p:cNvSpPr/>
+          <p:nvPr/>
+        </p:nvSpPr>
+        <p:spPr>
+          <a:xfrm>
+            <a:off x="2462964" y="2041595"/>
+            <a:ext cx="1367792" cy="499968"/>
+          </a:xfrm>
+          <a:prstGeom prst="borderCallout1">
+            <a:avLst>
+              <a:gd name="adj1" fmla="val 47616"/>
+              <a:gd name="adj2" fmla="val -455"/>
+              <a:gd name="adj3" fmla="val 121209"/>
+              <a:gd name="adj4" fmla="val -36423"/>
+            </a:avLst>
+          </a:prstGeom>
+        </p:spPr>
+        <p:style>
+          <a:lnRef idx="2">
+            <a:schemeClr val="accent1"/>
+          </a:lnRef>
+          <a:fillRef idx="1">
+            <a:schemeClr val="lt1"/>
+          </a:fillRef>
+          <a:effectRef idx="0">
+            <a:schemeClr val="accent1"/>
+          </a:effectRef>
+          <a:fontRef idx="minor">
+            <a:schemeClr val="dk1"/>
+          </a:fontRef>
+        </p:style>
+        <p:txBody>
+          <a:bodyPr rtlCol="0" anchor="ctr"/>
+          <a:lstStyle/>
+          <a:p>
+            <a:pPr algn="ctr"/>
+            <a:r>
+              <a:rPr lang="nl-BE" sz="1200" dirty="0"/>
+              <a:t>Version Controlled</a:t>
+            </a:r>
+            <a:endParaRPr lang="en-US" sz="1200" dirty="0"/>
+          </a:p>
+        </p:txBody>
+      </p:sp>
+      <p:sp>
+        <p:nvSpPr>
+          <p:cNvPr id="18" name="Callout: Line 17">
+            <a:extLst>
+              <a:ext uri="{FF2B5EF4-FFF2-40B4-BE49-F238E27FC236}">
+                <a16:creationId xmlns:a16="http://schemas.microsoft.com/office/drawing/2014/main" id="{692E717D-AED0-412E-9FB8-99ED28A19759}"/>
+              </a:ext>
+            </a:extLst>
+          </p:cNvPr>
+          <p:cNvSpPr/>
+          <p:nvPr/>
+        </p:nvSpPr>
+        <p:spPr>
+          <a:xfrm>
+            <a:off x="8532694" y="2010729"/>
+            <a:ext cx="1367792" cy="422365"/>
+          </a:xfrm>
+          <a:prstGeom prst="borderCallout1">
+            <a:avLst>
+              <a:gd name="adj1" fmla="val 47616"/>
+              <a:gd name="adj2" fmla="val -455"/>
+              <a:gd name="adj3" fmla="val 159923"/>
+              <a:gd name="adj4" fmla="val -44597"/>
+            </a:avLst>
+          </a:prstGeom>
+        </p:spPr>
+        <p:style>
+          <a:lnRef idx="2">
+            <a:schemeClr val="accent1"/>
+          </a:lnRef>
+          <a:fillRef idx="1">
+            <a:schemeClr val="lt1"/>
+          </a:fillRef>
+          <a:effectRef idx="0">
+            <a:schemeClr val="accent1"/>
+          </a:effectRef>
+          <a:fontRef idx="minor">
+            <a:schemeClr val="dk1"/>
+          </a:fontRef>
+        </p:style>
+        <p:txBody>
+          <a:bodyPr rtlCol="0" anchor="ctr"/>
+          <a:lstStyle/>
+          <a:p>
+            <a:pPr algn="ctr"/>
+            <a:r>
+              <a:rPr lang="nl-BE" sz="1200" dirty="0"/>
+              <a:t>DevTest project</a:t>
+            </a:r>
+            <a:endParaRPr lang="en-US" sz="1200" dirty="0"/>
+          </a:p>
+        </p:txBody>
+      </p:sp>
+      <p:sp>
+        <p:nvSpPr>
+          <p:cNvPr id="19" name="Callout: Line 18">
+            <a:extLst>
+              <a:ext uri="{FF2B5EF4-FFF2-40B4-BE49-F238E27FC236}">
+                <a16:creationId xmlns:a16="http://schemas.microsoft.com/office/drawing/2014/main" id="{81A4A23A-A5D1-4196-9718-DFC15496FEF0}"/>
+              </a:ext>
+            </a:extLst>
+          </p:cNvPr>
+          <p:cNvSpPr/>
+          <p:nvPr/>
+        </p:nvSpPr>
+        <p:spPr>
+          <a:xfrm>
+            <a:off x="9685561" y="3226210"/>
+            <a:ext cx="2278263" cy="498913"/>
+          </a:xfrm>
+          <a:prstGeom prst="borderCallout1">
+            <a:avLst>
+              <a:gd name="adj1" fmla="val 47616"/>
+              <a:gd name="adj2" fmla="val -455"/>
+              <a:gd name="adj3" fmla="val 9407"/>
+              <a:gd name="adj4" fmla="val -62520"/>
+            </a:avLst>
+          </a:prstGeom>
+        </p:spPr>
+        <p:style>
+          <a:lnRef idx="2">
+            <a:schemeClr val="accent1"/>
+          </a:lnRef>
+          <a:fillRef idx="1">
+            <a:schemeClr val="lt1"/>
+          </a:fillRef>
+          <a:effectRef idx="0">
+            <a:schemeClr val="accent1"/>
+          </a:effectRef>
+          <a:fontRef idx="minor">
+            <a:schemeClr val="dk1"/>
+          </a:fontRef>
+        </p:style>
+        <p:txBody>
+          <a:bodyPr rtlCol="0" anchor="t"/>
+          <a:lstStyle/>
+          <a:p>
+            <a:r>
+              <a:rPr lang="nl-BE" sz="1200" dirty="0"/>
+              <a:t>Contains:</a:t>
+            </a:r>
+            <a:endParaRPr lang="en-US" sz="1200" dirty="0"/>
+          </a:p>
+        </p:txBody>
+      </p:sp>
+      <p:pic>
+        <p:nvPicPr>
+          <p:cNvPr id="20" name="Picture 19">
+            <a:extLst>
+              <a:ext uri="{FF2B5EF4-FFF2-40B4-BE49-F238E27FC236}">
+                <a16:creationId xmlns:a16="http://schemas.microsoft.com/office/drawing/2014/main" id="{A3BD28BD-AD5E-448C-AC21-65A965F5FCF1}"/>
+              </a:ext>
+            </a:extLst>
+          </p:cNvPr>
+          <p:cNvPicPr>
+            <a:picLocks noChangeAspect="1"/>
+          </p:cNvPicPr>
+          <p:nvPr/>
+        </p:nvPicPr>
+        <p:blipFill>
+          <a:blip r:embed="rId3"/>
+          <a:stretch>
+            <a:fillRect/>
+          </a:stretch>
+        </p:blipFill>
+        <p:spPr>
+          <a:xfrm>
+            <a:off x="9729164" y="3496491"/>
+            <a:ext cx="2191056" cy="228632"/>
+          </a:xfrm>
+          <a:prstGeom prst="rect">
+            <a:avLst/>
+          </a:prstGeom>
+        </p:spPr>
+      </p:pic>
+      <p:sp>
+        <p:nvSpPr>
+          <p:cNvPr id="21" name="Callout: Line 20">
+            <a:extLst>
+              <a:ext uri="{FF2B5EF4-FFF2-40B4-BE49-F238E27FC236}">
+                <a16:creationId xmlns:a16="http://schemas.microsoft.com/office/drawing/2014/main" id="{E2287060-C691-44C1-AAE3-CA8D7F589C4F}"/>
+              </a:ext>
+            </a:extLst>
+          </p:cNvPr>
+          <p:cNvSpPr/>
+          <p:nvPr/>
+        </p:nvSpPr>
+        <p:spPr>
+          <a:xfrm>
+            <a:off x="9674735" y="4334660"/>
+            <a:ext cx="2278263" cy="838231"/>
+          </a:xfrm>
+          <a:prstGeom prst="borderCallout1">
+            <a:avLst>
+              <a:gd name="adj1" fmla="val 47616"/>
+              <a:gd name="adj2" fmla="val -455"/>
+              <a:gd name="adj3" fmla="val 19880"/>
+              <a:gd name="adj4" fmla="val -26971"/>
+            </a:avLst>
+          </a:prstGeom>
+        </p:spPr>
+        <p:style>
+          <a:lnRef idx="2">
+            <a:schemeClr val="accent1"/>
+          </a:lnRef>
+          <a:fillRef idx="1">
+            <a:schemeClr val="lt1"/>
+          </a:fillRef>
+          <a:effectRef idx="0">
+            <a:schemeClr val="accent1"/>
+          </a:effectRef>
+          <a:fontRef idx="minor">
+            <a:schemeClr val="dk1"/>
+          </a:fontRef>
+        </p:style>
+        <p:txBody>
+          <a:bodyPr rtlCol="0" anchor="t"/>
+          <a:lstStyle/>
+          <a:p>
+            <a:r>
+              <a:rPr lang="nl-BE" sz="1200" dirty="0"/>
+              <a:t>Timestamped directory</a:t>
+            </a:r>
+          </a:p>
+          <a:p>
+            <a:r>
+              <a:rPr lang="nl-BE" sz="1200" dirty="0"/>
+              <a:t>Contains generated test for a TestAutomationCreationPipeLine run</a:t>
+            </a:r>
+            <a:endParaRPr lang="en-US" sz="1200" dirty="0"/>
+          </a:p>
+        </p:txBody>
+      </p:sp>
+      <p:pic>
+        <p:nvPicPr>
+          <p:cNvPr id="22" name="Picture 21">
+            <a:extLst>
+              <a:ext uri="{FF2B5EF4-FFF2-40B4-BE49-F238E27FC236}">
+                <a16:creationId xmlns:a16="http://schemas.microsoft.com/office/drawing/2014/main" id="{60697A89-CC28-49BD-B17D-29C76637E461}"/>
+              </a:ext>
+            </a:extLst>
+          </p:cNvPr>
+          <p:cNvPicPr>
+            <a:picLocks noChangeAspect="1"/>
+          </p:cNvPicPr>
+          <p:nvPr/>
+        </p:nvPicPr>
+        <p:blipFill>
+          <a:blip r:embed="rId4"/>
+          <a:stretch>
+            <a:fillRect/>
+          </a:stretch>
+        </p:blipFill>
+        <p:spPr>
+          <a:xfrm>
+            <a:off x="1178083" y="3610807"/>
+            <a:ext cx="2944336" cy="1553094"/>
+          </a:xfrm>
+          <a:prstGeom prst="rect">
+            <a:avLst/>
+          </a:prstGeom>
+        </p:spPr>
+      </p:pic>
+      <p:sp>
+        <p:nvSpPr>
+          <p:cNvPr id="23" name="Callout: Line 22">
+            <a:extLst>
+              <a:ext uri="{FF2B5EF4-FFF2-40B4-BE49-F238E27FC236}">
+                <a16:creationId xmlns:a16="http://schemas.microsoft.com/office/drawing/2014/main" id="{E9902EEC-8AE8-4014-9BD3-22BD2B1CE9FB}"/>
+              </a:ext>
+            </a:extLst>
+          </p:cNvPr>
+          <p:cNvSpPr/>
+          <p:nvPr/>
+        </p:nvSpPr>
+        <p:spPr>
+          <a:xfrm>
+            <a:off x="4404359" y="3282208"/>
+            <a:ext cx="2518954" cy="442915"/>
+          </a:xfrm>
+          <a:prstGeom prst="borderCallout1">
+            <a:avLst>
+              <a:gd name="adj1" fmla="val 47616"/>
+              <a:gd name="adj2" fmla="val -455"/>
+              <a:gd name="adj3" fmla="val 107088"/>
+              <a:gd name="adj4" fmla="val -28988"/>
+            </a:avLst>
+          </a:prstGeom>
+        </p:spPr>
+        <p:style>
+          <a:lnRef idx="2">
+            <a:schemeClr val="accent1"/>
+          </a:lnRef>
+          <a:fillRef idx="1">
+            <a:schemeClr val="lt1"/>
+          </a:fillRef>
+          <a:effectRef idx="0">
+            <a:schemeClr val="accent1"/>
+          </a:effectRef>
+          <a:fontRef idx="minor">
+            <a:schemeClr val="dk1"/>
+          </a:fontRef>
+        </p:style>
+        <p:txBody>
+          <a:bodyPr rtlCol="0" anchor="t"/>
+          <a:lstStyle/>
+          <a:p>
+            <a:r>
+              <a:rPr lang="nl-BE" sz="1200" dirty="0"/>
+              <a:t>Functional grouping of API Test Specifications in direcories</a:t>
+            </a:r>
+            <a:endParaRPr lang="en-US" sz="1200" dirty="0"/>
+          </a:p>
+        </p:txBody>
+      </p:sp>
+      <p:sp>
+        <p:nvSpPr>
+          <p:cNvPr id="24" name="Callout: Line 23">
+            <a:extLst>
+              <a:ext uri="{FF2B5EF4-FFF2-40B4-BE49-F238E27FC236}">
+                <a16:creationId xmlns:a16="http://schemas.microsoft.com/office/drawing/2014/main" id="{A84E5061-976E-4746-AB1C-04035642876D}"/>
+              </a:ext>
+            </a:extLst>
+          </p:cNvPr>
+          <p:cNvSpPr/>
+          <p:nvPr/>
+        </p:nvSpPr>
+        <p:spPr>
+          <a:xfrm>
+            <a:off x="4404360" y="3830435"/>
+            <a:ext cx="2518954" cy="442915"/>
+          </a:xfrm>
+          <a:prstGeom prst="borderCallout1">
+            <a:avLst>
+              <a:gd name="adj1" fmla="val 47616"/>
+              <a:gd name="adj2" fmla="val -455"/>
+              <a:gd name="adj3" fmla="val 173810"/>
+              <a:gd name="adj4" fmla="val -51484"/>
+            </a:avLst>
+          </a:prstGeom>
+        </p:spPr>
+        <p:style>
+          <a:lnRef idx="2">
+            <a:schemeClr val="accent1"/>
+          </a:lnRef>
+          <a:fillRef idx="1">
+            <a:schemeClr val="lt1"/>
+          </a:fillRef>
+          <a:effectRef idx="0">
+            <a:schemeClr val="accent1"/>
+          </a:effectRef>
+          <a:fontRef idx="minor">
+            <a:schemeClr val="dk1"/>
+          </a:fontRef>
+        </p:style>
+        <p:txBody>
+          <a:bodyPr rtlCol="0" anchor="t"/>
+          <a:lstStyle/>
+          <a:p>
+            <a:r>
+              <a:rPr lang="nl-BE" sz="1200" dirty="0"/>
+              <a:t>Config files for controlling functional features of the generated tests</a:t>
+            </a:r>
+            <a:endParaRPr lang="en-US" sz="1200" dirty="0"/>
+          </a:p>
+        </p:txBody>
+      </p:sp>
+      <p:sp>
+        <p:nvSpPr>
+          <p:cNvPr id="25" name="Callout: Line 24">
+            <a:extLst>
+              <a:ext uri="{FF2B5EF4-FFF2-40B4-BE49-F238E27FC236}">
+                <a16:creationId xmlns:a16="http://schemas.microsoft.com/office/drawing/2014/main" id="{89D991AF-CCC2-4E9C-B757-C9472403321A}"/>
+              </a:ext>
+            </a:extLst>
+          </p:cNvPr>
+          <p:cNvSpPr/>
+          <p:nvPr/>
+        </p:nvSpPr>
+        <p:spPr>
+          <a:xfrm>
+            <a:off x="4404359" y="4368148"/>
+            <a:ext cx="2518954" cy="448297"/>
+          </a:xfrm>
+          <a:prstGeom prst="borderCallout1">
+            <a:avLst>
+              <a:gd name="adj1" fmla="val 47616"/>
+              <a:gd name="adj2" fmla="val -455"/>
+              <a:gd name="adj3" fmla="val 115067"/>
+              <a:gd name="adj4" fmla="val -26520"/>
+            </a:avLst>
+          </a:prstGeom>
+        </p:spPr>
+        <p:style>
+          <a:lnRef idx="2">
+            <a:schemeClr val="accent1"/>
+          </a:lnRef>
+          <a:fillRef idx="1">
+            <a:schemeClr val="lt1"/>
+          </a:fillRef>
+          <a:effectRef idx="0">
+            <a:schemeClr val="accent1"/>
+          </a:effectRef>
+          <a:fontRef idx="minor">
+            <a:schemeClr val="dk1"/>
+          </a:fontRef>
+        </p:style>
+        <p:txBody>
+          <a:bodyPr rtlCol="0" anchor="t"/>
+          <a:lstStyle/>
+          <a:p>
+            <a:r>
+              <a:rPr lang="nl-BE" sz="1200" dirty="0"/>
+              <a:t>Shortcut to TestAutomationCreationPipeLine.bat</a:t>
+            </a:r>
+            <a:endParaRPr lang="en-US" sz="1200" dirty="0"/>
+          </a:p>
+        </p:txBody>
+      </p:sp>
+      <p:pic>
+        <p:nvPicPr>
+          <p:cNvPr id="26" name="Picture 25">
+            <a:extLst>
+              <a:ext uri="{FF2B5EF4-FFF2-40B4-BE49-F238E27FC236}">
+                <a16:creationId xmlns:a16="http://schemas.microsoft.com/office/drawing/2014/main" id="{494B827B-925D-48F4-856C-3EC6364CCBD0}"/>
+              </a:ext>
+            </a:extLst>
+          </p:cNvPr>
+          <p:cNvPicPr>
+            <a:picLocks noChangeAspect="1"/>
+          </p:cNvPicPr>
+          <p:nvPr/>
+        </p:nvPicPr>
+        <p:blipFill>
+          <a:blip r:embed="rId5"/>
+          <a:stretch>
+            <a:fillRect/>
+          </a:stretch>
+        </p:blipFill>
+        <p:spPr>
+          <a:xfrm>
+            <a:off x="2540947" y="5658696"/>
+            <a:ext cx="4861339" cy="946777"/>
+          </a:xfrm>
+          <a:prstGeom prst="rect">
+            <a:avLst/>
+          </a:prstGeom>
+        </p:spPr>
+      </p:pic>
+      <p:sp>
+        <p:nvSpPr>
+          <p:cNvPr id="27" name="Callout: Line 26">
+            <a:extLst>
+              <a:ext uri="{FF2B5EF4-FFF2-40B4-BE49-F238E27FC236}">
+                <a16:creationId xmlns:a16="http://schemas.microsoft.com/office/drawing/2014/main" id="{5A89177D-47BC-436F-B5C0-789865828320}"/>
+              </a:ext>
+            </a:extLst>
+          </p:cNvPr>
+          <p:cNvSpPr/>
+          <p:nvPr/>
+        </p:nvSpPr>
+        <p:spPr>
+          <a:xfrm>
+            <a:off x="862564" y="6060486"/>
+            <a:ext cx="1367792" cy="422365"/>
+          </a:xfrm>
+          <a:prstGeom prst="borderCallout1">
+            <a:avLst>
+              <a:gd name="adj1" fmla="val 49678"/>
+              <a:gd name="adj2" fmla="val 101415"/>
+              <a:gd name="adj3" fmla="val -7088"/>
+              <a:gd name="adj4" fmla="val 118396"/>
+            </a:avLst>
+          </a:prstGeom>
+        </p:spPr>
+        <p:style>
+          <a:lnRef idx="2">
+            <a:schemeClr val="accent1"/>
+          </a:lnRef>
+          <a:fillRef idx="1">
+            <a:schemeClr val="lt1"/>
+          </a:fillRef>
+          <a:effectRef idx="0">
+            <a:schemeClr val="accent1"/>
+          </a:effectRef>
+          <a:fontRef idx="minor">
+            <a:schemeClr val="dk1"/>
+          </a:fontRef>
+        </p:style>
+        <p:txBody>
+          <a:bodyPr rtlCol="0" anchor="ctr"/>
+          <a:lstStyle/>
+          <a:p>
+            <a:pPr algn="ctr"/>
+            <a:r>
+              <a:rPr lang="nl-BE" sz="1200" dirty="0"/>
+              <a:t>Test Generation Run</a:t>
+            </a:r>
+            <a:endParaRPr lang="en-US" sz="1200" dirty="0"/>
+          </a:p>
+        </p:txBody>
+      </p:sp>
+    </p:spTree>
+    <p:extLst>
+      <p:ext uri="{BB962C8B-B14F-4D97-AF65-F5344CB8AC3E}">
+        <p14:creationId xmlns:p14="http://schemas.microsoft.com/office/powerpoint/2010/main" val="1203993485"/>
+      </p:ext>
+    </p:extLst>
+  </p:cSld>
+  <p:clrMapOvr>
+    <a:masterClrMapping/>
+  </p:clrMapOvr>
+</p:sld>
+</file>
+
+<file path=ppt/slides/slide4.xml><?xml version="1.0" encoding="utf-8"?>
+<p:sld xmlns:a="http://schemas.openxmlformats.org/drawingml/2006/main" xmlns:r="http://schemas.openxmlformats.org/officeDocument/2006/relationships" xmlns:p="http://schemas.openxmlformats.org/presentationml/2006/main">
+  <p:cSld>
+    <p:spTree>
+      <p:nvGrpSpPr>
+        <p:cNvPr id="1" name=""/>
+        <p:cNvGrpSpPr/>
+        <p:nvPr/>
+      </p:nvGrpSpPr>
+      <p:grpSpPr>
+        <a:xfrm>
+          <a:off x="0" y="0"/>
+          <a:ext cx="0" cy="0"/>
+          <a:chOff x="0" y="0"/>
+          <a:chExt cx="0" cy="0"/>
+        </a:xfrm>
+      </p:grpSpPr>
+      <p:sp>
+        <p:nvSpPr>
+          <p:cNvPr id="2" name="Title 1">
+            <a:extLst>
+              <a:ext uri="{FF2B5EF4-FFF2-40B4-BE49-F238E27FC236}">
                 <a16:creationId xmlns:a16="http://schemas.microsoft.com/office/drawing/2014/main" id="{4A957849-845A-46C3-94E6-26443D8B671A}"/>
               </a:ext>
             </a:extLst>
@@ -3454,7 +5727,7 @@
           <a:lstStyle/>
           <a:p>
             <a:r>
-              <a:rPr lang="nl-BE"/>
+              <a:rPr lang="nl-BE" dirty="0"/>
               <a:t>Procedure 1/? - Add API Test</a:t>
             </a:r>
             <a:endParaRPr lang="en-US" dirty="0"/>
@@ -3483,43 +5756,42 @@
           <a:lstStyle/>
           <a:p>
             <a:r>
-              <a:rPr lang="nl-BE"/>
+              <a:rPr lang="nl-BE" dirty="0"/>
               <a:t>Add a Transaction aka Interaction</a:t>
             </a:r>
           </a:p>
           <a:p>
             <a:pPr lvl="1"/>
             <a:r>
-              <a:rPr lang="nl-BE"/>
+              <a:rPr lang="nl-BE" dirty="0"/>
               <a:t>Add the Actual Request</a:t>
             </a:r>
           </a:p>
           <a:p>
             <a:pPr lvl="1"/>
             <a:r>
-              <a:rPr lang="nl-BE"/>
+              <a:rPr lang="nl-BE" dirty="0"/>
               <a:t>Add the Minimal Expected Response</a:t>
             </a:r>
           </a:p>
           <a:p>
             <a:pPr lvl="1"/>
             <a:r>
-              <a:rPr lang="nl-BE"/>
+              <a:rPr lang="nl-BE" dirty="0"/>
               <a:t>Optional – Add a specific, complete, correct Response</a:t>
             </a:r>
           </a:p>
           <a:p>
             <a:r>
-              <a:rPr lang="nl-BE"/>
+              <a:rPr lang="nl-BE" dirty="0"/>
               <a:t>Rinse, repeat</a:t>
             </a:r>
           </a:p>
           <a:p>
             <a:r>
-              <a:rPr lang="nl-BE"/>
+              <a:rPr lang="nl-BE" dirty="0"/>
               <a:t>Or Correct an existing Transaction aka Interaction</a:t>
             </a:r>
-            <a:endParaRPr lang="nl-BE" dirty="0"/>
           </a:p>
         </p:txBody>
       </p:sp>
@@ -3536,7 +5808,7 @@
 </p:sld>
 </file>
 
-<file path=ppt/slides/slide3.xml><?xml version="1.0" encoding="utf-8"?>
+<file path=ppt/slides/slide5.xml><?xml version="1.0" encoding="utf-8"?>
 <p:sld xmlns:a="http://schemas.openxmlformats.org/drawingml/2006/main" xmlns:r="http://schemas.openxmlformats.org/officeDocument/2006/relationships" xmlns:p="http://schemas.openxmlformats.org/presentationml/2006/main">
   <p:cSld>
     <p:spTree>
@@ -3719,7 +5991,7 @@
 </p:sld>
 </file>
 
-<file path=ppt/slides/slide4.xml><?xml version="1.0" encoding="utf-8"?>
+<file path=ppt/slides/slide6.xml><?xml version="1.0" encoding="utf-8"?>
 <p:sld xmlns:a="http://schemas.openxmlformats.org/drawingml/2006/main" xmlns:r="http://schemas.openxmlformats.org/officeDocument/2006/relationships" xmlns:p="http://schemas.openxmlformats.org/presentationml/2006/main">
   <p:cSld>
     <p:spTree>
@@ -3803,7 +6075,7 @@
 </p:sld>
 </file>
 
-<file path=ppt/slides/slide5.xml><?xml version="1.0" encoding="utf-8"?>
+<file path=ppt/slides/slide7.xml><?xml version="1.0" encoding="utf-8"?>
 <p:sld xmlns:a="http://schemas.openxmlformats.org/drawingml/2006/main" xmlns:r="http://schemas.openxmlformats.org/officeDocument/2006/relationships" xmlns:p="http://schemas.openxmlformats.org/presentationml/2006/main">
   <p:cSld>
     <p:spTree>
@@ -3879,7 +6151,7 @@
         </p:blipFill>
         <p:spPr>
           <a:xfrm>
-            <a:off x="3135086" y="2218871"/>
+            <a:off x="838200" y="2906848"/>
             <a:ext cx="6172200" cy="1776413"/>
           </a:xfrm>
         </p:spPr>
@@ -3888,6 +6160,194 @@
     <p:extLst>
       <p:ext uri="{BB962C8B-B14F-4D97-AF65-F5344CB8AC3E}">
         <p14:creationId xmlns:p14="http://schemas.microsoft.com/office/powerpoint/2010/main" val="3388336629"/>
+      </p:ext>
+    </p:extLst>
+  </p:cSld>
+  <p:clrMapOvr>
+    <a:masterClrMapping/>
+  </p:clrMapOvr>
+</p:sld>
+</file>
+
+<file path=ppt/slides/slide8.xml><?xml version="1.0" encoding="utf-8"?>
+<p:sld xmlns:a="http://schemas.openxmlformats.org/drawingml/2006/main" xmlns:r="http://schemas.openxmlformats.org/officeDocument/2006/relationships" xmlns:p="http://schemas.openxmlformats.org/presentationml/2006/main">
+  <p:cSld>
+    <p:spTree>
+      <p:nvGrpSpPr>
+        <p:cNvPr id="1" name=""/>
+        <p:cNvGrpSpPr/>
+        <p:nvPr/>
+      </p:nvGrpSpPr>
+      <p:grpSpPr>
+        <a:xfrm>
+          <a:off x="0" y="0"/>
+          <a:ext cx="0" cy="0"/>
+          <a:chOff x="0" y="0"/>
+          <a:chExt cx="0" cy="0"/>
+        </a:xfrm>
+      </p:grpSpPr>
+      <p:sp>
+        <p:nvSpPr>
+          <p:cNvPr id="2" name="Title 1">
+            <a:extLst>
+              <a:ext uri="{FF2B5EF4-FFF2-40B4-BE49-F238E27FC236}">
+                <a16:creationId xmlns:a16="http://schemas.microsoft.com/office/drawing/2014/main" id="{B53E3089-594F-4497-BC23-FD8795887DF8}"/>
+              </a:ext>
+            </a:extLst>
+          </p:cNvPr>
+          <p:cNvSpPr>
+            <a:spLocks noGrp="1"/>
+          </p:cNvSpPr>
+          <p:nvPr>
+            <p:ph type="title"/>
+          </p:nvPr>
+        </p:nvSpPr>
+        <p:spPr/>
+        <p:txBody>
+          <a:bodyPr/>
+          <a:lstStyle/>
+          <a:p>
+            <a:r>
+              <a:rPr lang="en-US" dirty="0"/>
+              <a:t>CA-DevTest-Solution-Patterns</a:t>
+            </a:r>
+          </a:p>
+        </p:txBody>
+      </p:sp>
+      <p:pic>
+        <p:nvPicPr>
+          <p:cNvPr id="6" name="Picture Placeholder 5" descr="CA-DevTest-Solution-Patterns">
+            <a:extLst>
+              <a:ext uri="{FF2B5EF4-FFF2-40B4-BE49-F238E27FC236}">
+                <a16:creationId xmlns:a16="http://schemas.microsoft.com/office/drawing/2014/main" id="{BC946AD3-B973-4417-A418-11AB3E4D43CC}"/>
+              </a:ext>
+            </a:extLst>
+          </p:cNvPr>
+          <p:cNvPicPr>
+            <a:picLocks noGrp="1" noChangeAspect="1"/>
+          </p:cNvPicPr>
+          <p:nvPr>
+            <p:ph type="pic" idx="4294967295"/>
+          </p:nvPr>
+        </p:nvPicPr>
+        <p:blipFill>
+          <a:blip r:embed="rId2">
+            <a:extLst>
+              <a:ext uri="{28A0092B-C50C-407E-A947-70E740481C1C}">
+                <a14:useLocalDpi xmlns:a14="http://schemas.microsoft.com/office/drawing/2010/main" val="0"/>
+              </a:ext>
+            </a:extLst>
+          </a:blip>
+          <a:srcRect/>
+          <a:stretch>
+            <a:fillRect/>
+          </a:stretch>
+        </p:blipFill>
+        <p:spPr>
+          <a:xfrm>
+            <a:off x="838200" y="2031274"/>
+            <a:ext cx="2857500" cy="3619500"/>
+          </a:xfrm>
+        </p:spPr>
+      </p:pic>
+    </p:spTree>
+    <p:extLst>
+      <p:ext uri="{BB962C8B-B14F-4D97-AF65-F5344CB8AC3E}">
+        <p14:creationId xmlns:p14="http://schemas.microsoft.com/office/powerpoint/2010/main" val="4043693370"/>
+      </p:ext>
+    </p:extLst>
+  </p:cSld>
+  <p:clrMapOvr>
+    <a:masterClrMapping/>
+  </p:clrMapOvr>
+</p:sld>
+</file>
+
+<file path=ppt/slides/slide9.xml><?xml version="1.0" encoding="utf-8"?>
+<p:sld xmlns:a="http://schemas.openxmlformats.org/drawingml/2006/main" xmlns:r="http://schemas.openxmlformats.org/officeDocument/2006/relationships" xmlns:p="http://schemas.openxmlformats.org/presentationml/2006/main">
+  <p:cSld>
+    <p:spTree>
+      <p:nvGrpSpPr>
+        <p:cNvPr id="1" name=""/>
+        <p:cNvGrpSpPr/>
+        <p:nvPr/>
+      </p:nvGrpSpPr>
+      <p:grpSpPr>
+        <a:xfrm>
+          <a:off x="0" y="0"/>
+          <a:ext cx="0" cy="0"/>
+          <a:chOff x="0" y="0"/>
+          <a:chExt cx="0" cy="0"/>
+        </a:xfrm>
+      </p:grpSpPr>
+      <p:sp>
+        <p:nvSpPr>
+          <p:cNvPr id="2" name="Title 1">
+            <a:extLst>
+              <a:ext uri="{FF2B5EF4-FFF2-40B4-BE49-F238E27FC236}">
+                <a16:creationId xmlns:a16="http://schemas.microsoft.com/office/drawing/2014/main" id="{FAF7C577-524C-4449-B19B-3D8B0B1D8838}"/>
+              </a:ext>
+            </a:extLst>
+          </p:cNvPr>
+          <p:cNvSpPr>
+            <a:spLocks noGrp="1"/>
+          </p:cNvSpPr>
+          <p:nvPr>
+            <p:ph type="title"/>
+          </p:nvPr>
+        </p:nvSpPr>
+        <p:spPr/>
+        <p:txBody>
+          <a:bodyPr/>
+          <a:lstStyle/>
+          <a:p>
+            <a:r>
+              <a:rPr lang="en-US"/>
+              <a:t>bin</a:t>
+            </a:r>
+          </a:p>
+        </p:txBody>
+      </p:sp>
+      <p:pic>
+        <p:nvPicPr>
+          <p:cNvPr id="6" name="Picture Placeholder 5" descr="bin">
+            <a:extLst>
+              <a:ext uri="{FF2B5EF4-FFF2-40B4-BE49-F238E27FC236}">
+                <a16:creationId xmlns:a16="http://schemas.microsoft.com/office/drawing/2014/main" id="{1FF34724-3F2D-4627-B3DD-3F1C94DDCADB}"/>
+              </a:ext>
+            </a:extLst>
+          </p:cNvPr>
+          <p:cNvPicPr>
+            <a:picLocks noGrp="1" noChangeAspect="1"/>
+          </p:cNvPicPr>
+          <p:nvPr>
+            <p:ph type="pic" idx="4294967295"/>
+          </p:nvPr>
+        </p:nvPicPr>
+        <p:blipFill>
+          <a:blip r:embed="rId2">
+            <a:extLst>
+              <a:ext uri="{28A0092B-C50C-407E-A947-70E740481C1C}">
+                <a14:useLocalDpi xmlns:a14="http://schemas.microsoft.com/office/drawing/2010/main" val="0"/>
+              </a:ext>
+            </a:extLst>
+          </a:blip>
+          <a:srcRect/>
+          <a:stretch>
+            <a:fillRect/>
+          </a:stretch>
+        </p:blipFill>
+        <p:spPr>
+          <a:xfrm>
+            <a:off x="905692" y="1690688"/>
+            <a:ext cx="2190750" cy="228600"/>
+          </a:xfrm>
+        </p:spPr>
+      </p:pic>
+    </p:spTree>
+    <p:extLst>
+      <p:ext uri="{BB962C8B-B14F-4D97-AF65-F5344CB8AC3E}">
+        <p14:creationId xmlns:p14="http://schemas.microsoft.com/office/powerpoint/2010/main" val="2118678960"/>
       </p:ext>
     </p:extLst>
   </p:cSld>
